--- a/pics/2021-05-25-nonhomogeneous_equation/pics.pptx
+++ b/pics/2021-05-25-nonhomogeneous_equation/pics.pptx
@@ -3037,7 +3037,7 @@
       </p:grpSpPr>
       <p:pic>
         <p:nvPicPr>
-          <p:cNvPr id="1026" name="Picture 2"/>
+          <p:cNvPr id="2" name="Picture 2"/>
           <p:cNvPicPr>
             <a:picLocks noChangeAspect="1" noChangeArrowheads="1"/>
           </p:cNvPicPr>
@@ -3058,8 +3058,8 @@
         </p:blipFill>
         <p:spPr bwMode="auto">
           <a:xfrm>
-            <a:off x="-540568" y="1518060"/>
-            <a:ext cx="10225136" cy="3821882"/>
+            <a:off x="-766763" y="1433513"/>
+            <a:ext cx="10677526" cy="3990975"/>
           </a:xfrm>
           <a:prstGeom prst="rect">
             <a:avLst/>

--- a/pics/2021-05-25-nonhomogeneous_equation/pics.pptx
+++ b/pics/2021-05-25-nonhomogeneous_equation/pics.pptx
@@ -6,6 +6,7 @@
   </p:sldMasterIdLst>
   <p:sldIdLst>
     <p:sldId id="256" r:id="rId2"/>
+    <p:sldId id="257" r:id="rId3"/>
   </p:sldIdLst>
   <p:sldSz cx="9144000" cy="6858000" type="screen4x3"/>
   <p:notesSz cx="6858000" cy="9144000"/>
@@ -288,7 +289,7 @@
           <a:p>
             <a:fld id="{FB30EDBD-1C2D-4C1E-B459-B60219FAB484}" type="datetimeFigureOut">
               <a:rPr lang="ko-KR" altLang="en-US" smtClean="0"/>
-              <a:t>2021-05-25</a:t>
+              <a:t>2021-05-26</a:t>
             </a:fld>
             <a:endParaRPr lang="ko-KR" altLang="en-US"/>
           </a:p>
@@ -453,7 +454,7 @@
           <a:p>
             <a:fld id="{FB30EDBD-1C2D-4C1E-B459-B60219FAB484}" type="datetimeFigureOut">
               <a:rPr lang="ko-KR" altLang="en-US" smtClean="0"/>
-              <a:t>2021-05-25</a:t>
+              <a:t>2021-05-26</a:t>
             </a:fld>
             <a:endParaRPr lang="ko-KR" altLang="en-US"/>
           </a:p>
@@ -628,7 +629,7 @@
           <a:p>
             <a:fld id="{FB30EDBD-1C2D-4C1E-B459-B60219FAB484}" type="datetimeFigureOut">
               <a:rPr lang="ko-KR" altLang="en-US" smtClean="0"/>
-              <a:t>2021-05-25</a:t>
+              <a:t>2021-05-26</a:t>
             </a:fld>
             <a:endParaRPr lang="ko-KR" altLang="en-US"/>
           </a:p>
@@ -793,7 +794,7 @@
           <a:p>
             <a:fld id="{FB30EDBD-1C2D-4C1E-B459-B60219FAB484}" type="datetimeFigureOut">
               <a:rPr lang="ko-KR" altLang="en-US" smtClean="0"/>
-              <a:t>2021-05-25</a:t>
+              <a:t>2021-05-26</a:t>
             </a:fld>
             <a:endParaRPr lang="ko-KR" altLang="en-US"/>
           </a:p>
@@ -1034,7 +1035,7 @@
           <a:p>
             <a:fld id="{FB30EDBD-1C2D-4C1E-B459-B60219FAB484}" type="datetimeFigureOut">
               <a:rPr lang="ko-KR" altLang="en-US" smtClean="0"/>
-              <a:t>2021-05-25</a:t>
+              <a:t>2021-05-26</a:t>
             </a:fld>
             <a:endParaRPr lang="ko-KR" altLang="en-US"/>
           </a:p>
@@ -1317,7 +1318,7 @@
           <a:p>
             <a:fld id="{FB30EDBD-1C2D-4C1E-B459-B60219FAB484}" type="datetimeFigureOut">
               <a:rPr lang="ko-KR" altLang="en-US" smtClean="0"/>
-              <a:t>2021-05-25</a:t>
+              <a:t>2021-05-26</a:t>
             </a:fld>
             <a:endParaRPr lang="ko-KR" altLang="en-US"/>
           </a:p>
@@ -1734,7 +1735,7 @@
           <a:p>
             <a:fld id="{FB30EDBD-1C2D-4C1E-B459-B60219FAB484}" type="datetimeFigureOut">
               <a:rPr lang="ko-KR" altLang="en-US" smtClean="0"/>
-              <a:t>2021-05-25</a:t>
+              <a:t>2021-05-26</a:t>
             </a:fld>
             <a:endParaRPr lang="ko-KR" altLang="en-US"/>
           </a:p>
@@ -1847,7 +1848,7 @@
           <a:p>
             <a:fld id="{FB30EDBD-1C2D-4C1E-B459-B60219FAB484}" type="datetimeFigureOut">
               <a:rPr lang="ko-KR" altLang="en-US" smtClean="0"/>
-              <a:t>2021-05-25</a:t>
+              <a:t>2021-05-26</a:t>
             </a:fld>
             <a:endParaRPr lang="ko-KR" altLang="en-US"/>
           </a:p>
@@ -1937,7 +1938,7 @@
           <a:p>
             <a:fld id="{FB30EDBD-1C2D-4C1E-B459-B60219FAB484}" type="datetimeFigureOut">
               <a:rPr lang="ko-KR" altLang="en-US" smtClean="0"/>
-              <a:t>2021-05-25</a:t>
+              <a:t>2021-05-26</a:t>
             </a:fld>
             <a:endParaRPr lang="ko-KR" altLang="en-US"/>
           </a:p>
@@ -2209,7 +2210,7 @@
           <a:p>
             <a:fld id="{FB30EDBD-1C2D-4C1E-B459-B60219FAB484}" type="datetimeFigureOut">
               <a:rPr lang="ko-KR" altLang="en-US" smtClean="0"/>
-              <a:t>2021-05-25</a:t>
+              <a:t>2021-05-26</a:t>
             </a:fld>
             <a:endParaRPr lang="ko-KR" altLang="en-US"/>
           </a:p>
@@ -2457,7 +2458,7 @@
           <a:p>
             <a:fld id="{FB30EDBD-1C2D-4C1E-B459-B60219FAB484}" type="datetimeFigureOut">
               <a:rPr lang="ko-KR" altLang="en-US" smtClean="0"/>
-              <a:t>2021-05-25</a:t>
+              <a:t>2021-05-26</a:t>
             </a:fld>
             <a:endParaRPr lang="ko-KR" altLang="en-US"/>
           </a:p>
@@ -2665,7 +2666,7 @@
           <a:p>
             <a:fld id="{FB30EDBD-1C2D-4C1E-B459-B60219FAB484}" type="datetimeFigureOut">
               <a:rPr lang="ko-KR" altLang="en-US" smtClean="0"/>
-              <a:t>2021-05-25</a:t>
+              <a:t>2021-05-26</a:t>
             </a:fld>
             <a:endParaRPr lang="ko-KR" altLang="en-US"/>
           </a:p>
@@ -3112,6 +3113,247 @@
 </p:sld>
 </file>
 
+<file path=ppt/slides/slide2.xml><?xml version="1.0" encoding="utf-8"?>
+<p:sld xmlns:a="http://schemas.openxmlformats.org/drawingml/2006/main" xmlns:r="http://schemas.openxmlformats.org/officeDocument/2006/relationships" xmlns:p="http://schemas.openxmlformats.org/presentationml/2006/main">
+  <p:cSld>
+    <p:spTree>
+      <p:nvGrpSpPr>
+        <p:cNvPr id="1" name=""/>
+        <p:cNvGrpSpPr/>
+        <p:nvPr/>
+      </p:nvGrpSpPr>
+      <p:grpSpPr>
+        <a:xfrm>
+          <a:off x="0" y="0"/>
+          <a:ext cx="0" cy="0"/>
+          <a:chOff x="0" y="0"/>
+          <a:chExt cx="0" cy="0"/>
+        </a:xfrm>
+      </p:grpSpPr>
+      <p:sp>
+        <p:nvSpPr>
+          <p:cNvPr id="6" name="오른쪽 화살표 5"/>
+          <p:cNvSpPr/>
+          <p:nvPr/>
+        </p:nvSpPr>
+        <p:spPr>
+          <a:xfrm>
+            <a:off x="4229726" y="3286330"/>
+            <a:ext cx="576064" cy="285340"/>
+          </a:xfrm>
+          <a:prstGeom prst="rightArrow">
+            <a:avLst/>
+          </a:prstGeom>
+          <a:solidFill>
+            <a:schemeClr val="bg1"/>
+          </a:solidFill>
+          <a:ln>
+            <a:solidFill>
+              <a:srgbClr val="C00000"/>
+            </a:solidFill>
+          </a:ln>
+        </p:spPr>
+        <p:style>
+          <a:lnRef idx="2">
+            <a:schemeClr val="accent1">
+              <a:shade val="50000"/>
+            </a:schemeClr>
+          </a:lnRef>
+          <a:fillRef idx="1">
+            <a:schemeClr val="accent1"/>
+          </a:fillRef>
+          <a:effectRef idx="0">
+            <a:schemeClr val="accent1"/>
+          </a:effectRef>
+          <a:fontRef idx="minor">
+            <a:schemeClr val="lt1"/>
+          </a:fontRef>
+        </p:style>
+        <p:txBody>
+          <a:bodyPr rtlCol="0" anchor="ctr"/>
+          <a:lstStyle/>
+          <a:p>
+            <a:pPr algn="ctr"/>
+            <a:endParaRPr lang="ko-KR" altLang="en-US"/>
+          </a:p>
+        </p:txBody>
+      </p:sp>
+      <p:sp>
+        <p:nvSpPr>
+          <p:cNvPr id="8" name="TextBox 7"/>
+          <p:cNvSpPr txBox="1"/>
+          <p:nvPr/>
+        </p:nvSpPr>
+        <p:spPr>
+          <a:xfrm>
+            <a:off x="4013701" y="2852936"/>
+            <a:ext cx="1072731" cy="369332"/>
+          </a:xfrm>
+          <a:prstGeom prst="rect">
+            <a:avLst/>
+          </a:prstGeom>
+          <a:noFill/>
+        </p:spPr>
+        <p:txBody>
+          <a:bodyPr wrap="none" rtlCol="0">
+            <a:spAutoFit/>
+          </a:bodyPr>
+          <a:lstStyle/>
+          <a:p>
+            <a:pPr algn="ctr"/>
+            <a:r>
+              <a:rPr lang="ko-KR" altLang="en-US" sz="900" dirty="0" smtClean="0"/>
+              <a:t>시간 포인트에</a:t>
+            </a:r>
+            <a:endParaRPr lang="en-US" altLang="ko-KR" sz="900" dirty="0" smtClean="0"/>
+          </a:p>
+          <a:p>
+            <a:pPr algn="ctr"/>
+            <a:r>
+              <a:rPr lang="ko-KR" altLang="en-US" sz="900" dirty="0" smtClean="0"/>
+              <a:t>맞게 기울기 조정</a:t>
+            </a:r>
+            <a:endParaRPr lang="ko-KR" altLang="en-US" sz="900" dirty="0"/>
+          </a:p>
+        </p:txBody>
+      </p:sp>
+      <p:pic>
+        <p:nvPicPr>
+          <p:cNvPr id="1030" name="Picture 6"/>
+          <p:cNvPicPr>
+            <a:picLocks noChangeAspect="1" noChangeArrowheads="1"/>
+          </p:cNvPicPr>
+          <p:nvPr/>
+        </p:nvPicPr>
+        <p:blipFill rotWithShape="1">
+          <a:blip r:embed="rId2">
+            <a:extLst>
+              <a:ext uri="{28A0092B-C50C-407E-A947-70E740481C1C}">
+                <a14:useLocalDpi xmlns:a14="http://schemas.microsoft.com/office/drawing/2010/main" val="0"/>
+              </a:ext>
+            </a:extLst>
+          </a:blip>
+          <a:srcRect l="9492" r="52049"/>
+          <a:stretch/>
+        </p:blipFill>
+        <p:spPr bwMode="auto">
+          <a:xfrm>
+            <a:off x="83123" y="1599126"/>
+            <a:ext cx="3934468" cy="3659748"/>
+          </a:xfrm>
+          <a:prstGeom prst="rect">
+            <a:avLst/>
+          </a:prstGeom>
+          <a:noFill/>
+          <a:ln>
+            <a:noFill/>
+          </a:ln>
+          <a:effectLst/>
+          <a:extLst>
+            <a:ext uri="{909E8E84-426E-40DD-AFC4-6F175D3DCCD1}">
+              <a14:hiddenFill xmlns:a14="http://schemas.microsoft.com/office/drawing/2010/main">
+                <a:solidFill>
+                  <a:schemeClr val="accent1"/>
+                </a:solidFill>
+              </a14:hiddenFill>
+            </a:ext>
+            <a:ext uri="{91240B29-F687-4F45-9708-019B960494DF}">
+              <a14:hiddenLine xmlns:a14="http://schemas.microsoft.com/office/drawing/2010/main" w="9525">
+                <a:solidFill>
+                  <a:schemeClr val="tx1"/>
+                </a:solidFill>
+                <a:miter lim="800000"/>
+                <a:headEnd/>
+                <a:tailEnd/>
+              </a14:hiddenLine>
+            </a:ext>
+            <a:ext uri="{AF507438-7753-43E0-B8FC-AC1667EBCBE1}">
+              <a14:hiddenEffects xmlns:a14="http://schemas.microsoft.com/office/drawing/2010/main">
+                <a:effectLst>
+                  <a:outerShdw dist="35921" dir="2700000" algn="ctr" rotWithShape="0">
+                    <a:schemeClr val="bg2"/>
+                  </a:outerShdw>
+                </a:effectLst>
+              </a14:hiddenEffects>
+            </a:ext>
+          </a:extLst>
+        </p:spPr>
+      </p:pic>
+      <p:pic>
+        <p:nvPicPr>
+          <p:cNvPr id="14" name="Picture 6"/>
+          <p:cNvPicPr>
+            <a:picLocks noChangeAspect="1" noChangeArrowheads="1"/>
+          </p:cNvPicPr>
+          <p:nvPr/>
+        </p:nvPicPr>
+        <p:blipFill rotWithShape="1">
+          <a:blip r:embed="rId2">
+            <a:extLst>
+              <a:ext uri="{28A0092B-C50C-407E-A947-70E740481C1C}">
+                <a14:useLocalDpi xmlns:a14="http://schemas.microsoft.com/office/drawing/2010/main" val="0"/>
+              </a:ext>
+            </a:extLst>
+          </a:blip>
+          <a:srcRect l="52785" r="6128"/>
+          <a:stretch/>
+        </p:blipFill>
+        <p:spPr bwMode="auto">
+          <a:xfrm>
+            <a:off x="4921043" y="1599126"/>
+            <a:ext cx="4203335" cy="3659748"/>
+          </a:xfrm>
+          <a:prstGeom prst="rect">
+            <a:avLst/>
+          </a:prstGeom>
+          <a:noFill/>
+          <a:ln>
+            <a:noFill/>
+          </a:ln>
+          <a:effectLst/>
+          <a:extLst>
+            <a:ext uri="{909E8E84-426E-40DD-AFC4-6F175D3DCCD1}">
+              <a14:hiddenFill xmlns:a14="http://schemas.microsoft.com/office/drawing/2010/main">
+                <a:solidFill>
+                  <a:schemeClr val="accent1"/>
+                </a:solidFill>
+              </a14:hiddenFill>
+            </a:ext>
+            <a:ext uri="{91240B29-F687-4F45-9708-019B960494DF}">
+              <a14:hiddenLine xmlns:a14="http://schemas.microsoft.com/office/drawing/2010/main" w="9525">
+                <a:solidFill>
+                  <a:schemeClr val="tx1"/>
+                </a:solidFill>
+                <a:miter lim="800000"/>
+                <a:headEnd/>
+                <a:tailEnd/>
+              </a14:hiddenLine>
+            </a:ext>
+            <a:ext uri="{AF507438-7753-43E0-B8FC-AC1667EBCBE1}">
+              <a14:hiddenEffects xmlns:a14="http://schemas.microsoft.com/office/drawing/2010/main">
+                <a:effectLst>
+                  <a:outerShdw dist="35921" dir="2700000" algn="ctr" rotWithShape="0">
+                    <a:schemeClr val="bg2"/>
+                  </a:outerShdw>
+                </a:effectLst>
+              </a14:hiddenEffects>
+            </a:ext>
+          </a:extLst>
+        </p:spPr>
+      </p:pic>
+    </p:spTree>
+    <p:extLst>
+      <p:ext uri="{BB962C8B-B14F-4D97-AF65-F5344CB8AC3E}">
+        <p14:creationId xmlns:p14="http://schemas.microsoft.com/office/powerpoint/2010/main" val="3848537490"/>
+      </p:ext>
+    </p:extLst>
+  </p:cSld>
+  <p:clrMapOvr>
+    <a:masterClrMapping/>
+  </p:clrMapOvr>
+</p:sld>
+</file>
+
 <file path=ppt/theme/theme1.xml><?xml version="1.0" encoding="utf-8"?>
 <a:theme xmlns:a="http://schemas.openxmlformats.org/drawingml/2006/main" name="Office 테마">
   <a:themeElements>

--- a/pics/2021-05-25-nonhomogeneous_equation/pics.pptx
+++ b/pics/2021-05-25-nonhomogeneous_equation/pics.pptx
@@ -7,6 +7,7 @@
   <p:sldIdLst>
     <p:sldId id="256" r:id="rId2"/>
     <p:sldId id="257" r:id="rId3"/>
+    <p:sldId id="258" r:id="rId4"/>
   </p:sldIdLst>
   <p:sldSz cx="9144000" cy="6858000" type="screen4x3"/>
   <p:notesSz cx="6858000" cy="9144000"/>
@@ -3354,6 +3355,100 @@
 </p:sld>
 </file>
 
+<file path=ppt/slides/slide3.xml><?xml version="1.0" encoding="utf-8"?>
+<p:sld xmlns:a="http://schemas.openxmlformats.org/drawingml/2006/main" xmlns:r="http://schemas.openxmlformats.org/officeDocument/2006/relationships" xmlns:p="http://schemas.openxmlformats.org/presentationml/2006/main">
+  <p:cSld>
+    <p:spTree>
+      <p:nvGrpSpPr>
+        <p:cNvPr id="1" name=""/>
+        <p:cNvGrpSpPr/>
+        <p:nvPr/>
+      </p:nvGrpSpPr>
+      <p:grpSpPr>
+        <a:xfrm>
+          <a:off x="0" y="0"/>
+          <a:ext cx="0" cy="0"/>
+          <a:chOff x="0" y="0"/>
+          <a:chExt cx="0" cy="0"/>
+        </a:xfrm>
+      </p:grpSpPr>
+      <p:pic>
+        <p:nvPicPr>
+          <p:cNvPr id="2050" name="Picture 2"/>
+          <p:cNvPicPr>
+            <a:picLocks noChangeAspect="1" noChangeArrowheads="1"/>
+          </p:cNvPicPr>
+          <p:nvPr/>
+        </p:nvPicPr>
+        <p:blipFill>
+          <a:blip r:embed="rId2">
+            <a:extLst>
+              <a:ext uri="{28A0092B-C50C-407E-A947-70E740481C1C}">
+                <a14:useLocalDpi xmlns:a14="http://schemas.microsoft.com/office/drawing/2010/main" val="0"/>
+              </a:ext>
+            </a:extLst>
+          </a:blip>
+          <a:srcRect/>
+          <a:stretch>
+            <a:fillRect/>
+          </a:stretch>
+        </p:blipFill>
+        <p:spPr bwMode="auto">
+          <a:xfrm>
+            <a:off x="1909763" y="1433513"/>
+            <a:ext cx="5324475" cy="3990975"/>
+          </a:xfrm>
+          <a:prstGeom prst="rect">
+            <a:avLst/>
+          </a:prstGeom>
+          <a:noFill/>
+          <a:ln>
+            <a:noFill/>
+          </a:ln>
+          <a:effectLst/>
+          <a:extLst>
+            <a:ext uri="{909E8E84-426E-40DD-AFC4-6F175D3DCCD1}">
+              <a14:hiddenFill xmlns:a14="http://schemas.microsoft.com/office/drawing/2010/main">
+                <a:solidFill>
+                  <a:schemeClr val="accent1"/>
+                </a:solidFill>
+              </a14:hiddenFill>
+            </a:ext>
+            <a:ext uri="{91240B29-F687-4F45-9708-019B960494DF}">
+              <a14:hiddenLine xmlns:a14="http://schemas.microsoft.com/office/drawing/2010/main" w="9525">
+                <a:solidFill>
+                  <a:schemeClr val="tx1"/>
+                </a:solidFill>
+                <a:miter lim="800000"/>
+                <a:headEnd/>
+                <a:tailEnd/>
+              </a14:hiddenLine>
+            </a:ext>
+            <a:ext uri="{AF507438-7753-43E0-B8FC-AC1667EBCBE1}">
+              <a14:hiddenEffects xmlns:a14="http://schemas.microsoft.com/office/drawing/2010/main">
+                <a:effectLst>
+                  <a:outerShdw dist="35921" dir="2700000" algn="ctr" rotWithShape="0">
+                    <a:schemeClr val="bg2"/>
+                  </a:outerShdw>
+                </a:effectLst>
+              </a14:hiddenEffects>
+            </a:ext>
+          </a:extLst>
+        </p:spPr>
+      </p:pic>
+    </p:spTree>
+    <p:extLst>
+      <p:ext uri="{BB962C8B-B14F-4D97-AF65-F5344CB8AC3E}">
+        <p14:creationId xmlns:p14="http://schemas.microsoft.com/office/powerpoint/2010/main" val="2123259160"/>
+      </p:ext>
+    </p:extLst>
+  </p:cSld>
+  <p:clrMapOvr>
+    <a:masterClrMapping/>
+  </p:clrMapOvr>
+</p:sld>
+</file>
+
 <file path=ppt/theme/theme1.xml><?xml version="1.0" encoding="utf-8"?>
 <a:theme xmlns:a="http://schemas.openxmlformats.org/drawingml/2006/main" name="Office 테마">
   <a:themeElements>

--- a/pics/2021-05-25-nonhomogeneous_equation/pics.pptx
+++ b/pics/2021-05-25-nonhomogeneous_equation/pics.pptx
@@ -8,6 +8,7 @@
     <p:sldId id="256" r:id="rId2"/>
     <p:sldId id="257" r:id="rId3"/>
     <p:sldId id="258" r:id="rId4"/>
+    <p:sldId id="259" r:id="rId5"/>
   </p:sldIdLst>
   <p:sldSz cx="9144000" cy="6858000" type="screen4x3"/>
   <p:notesSz cx="6858000" cy="9144000"/>
@@ -106,6 +107,22 @@
       </a:defRPr>
     </a:lvl9pPr>
   </p:defaultTextStyle>
+  <p:extLst>
+    <p:ext uri="{EFAFB233-063F-42B5-8137-9DF3F51BA10A}">
+      <p15:sldGuideLst xmlns:p15="http://schemas.microsoft.com/office/powerpoint/2012/main">
+        <p15:guide id="1" orient="horz" pos="2160">
+          <p15:clr>
+            <a:srgbClr val="A4A3A4"/>
+          </p15:clr>
+        </p15:guide>
+        <p15:guide id="2" pos="2880">
+          <p15:clr>
+            <a:srgbClr val="A4A3A4"/>
+          </p15:clr>
+        </p15:guide>
+      </p15:sldGuideLst>
+    </p:ext>
+  </p:extLst>
 </p:presentation>
 </file>
 
@@ -147,10 +164,9 @@
           <a:lstStyle/>
           <a:p>
             <a:r>
-              <a:rPr lang="ko-KR" altLang="en-US" smtClean="0"/>
+              <a:rPr lang="ko-KR" altLang="en-US"/>
               <a:t>마스터 제목 스타일 편집</a:t>
             </a:r>
-            <a:endParaRPr lang="ko-KR" altLang="en-US"/>
           </a:p>
         </p:txBody>
       </p:sp>
@@ -266,10 +282,9 @@
           </a:lstStyle>
           <a:p>
             <a:r>
-              <a:rPr lang="ko-KR" altLang="en-US" smtClean="0"/>
+              <a:rPr lang="ko-KR" altLang="en-US"/>
               <a:t>마스터 부제목 스타일 편집</a:t>
             </a:r>
-            <a:endParaRPr lang="ko-KR" altLang="en-US"/>
           </a:p>
         </p:txBody>
       </p:sp>
@@ -290,7 +305,7 @@
           <a:p>
             <a:fld id="{FB30EDBD-1C2D-4C1E-B459-B60219FAB484}" type="datetimeFigureOut">
               <a:rPr lang="ko-KR" altLang="en-US" smtClean="0"/>
-              <a:t>2021-05-26</a:t>
+              <a:t>2021-07-09</a:t>
             </a:fld>
             <a:endParaRPr lang="ko-KR" altLang="en-US"/>
           </a:p>
@@ -379,10 +394,9 @@
           <a:lstStyle/>
           <a:p>
             <a:r>
-              <a:rPr lang="ko-KR" altLang="en-US" smtClean="0"/>
+              <a:rPr lang="ko-KR" altLang="en-US"/>
               <a:t>마스터 제목 스타일 편집</a:t>
             </a:r>
-            <a:endParaRPr lang="ko-KR" altLang="en-US"/>
           </a:p>
         </p:txBody>
       </p:sp>
@@ -403,38 +417,37 @@
           <a:p>
             <a:pPr lvl="0"/>
             <a:r>
-              <a:rPr lang="ko-KR" altLang="en-US" smtClean="0"/>
+              <a:rPr lang="ko-KR" altLang="en-US"/>
               <a:t>마스터 텍스트 스타일을 편집합니다</a:t>
             </a:r>
           </a:p>
           <a:p>
             <a:pPr lvl="1"/>
             <a:r>
-              <a:rPr lang="ko-KR" altLang="en-US" smtClean="0"/>
+              <a:rPr lang="ko-KR" altLang="en-US"/>
               <a:t>둘째 수준</a:t>
             </a:r>
           </a:p>
           <a:p>
             <a:pPr lvl="2"/>
             <a:r>
-              <a:rPr lang="ko-KR" altLang="en-US" smtClean="0"/>
+              <a:rPr lang="ko-KR" altLang="en-US"/>
               <a:t>셋째 수준</a:t>
             </a:r>
           </a:p>
           <a:p>
             <a:pPr lvl="3"/>
             <a:r>
-              <a:rPr lang="ko-KR" altLang="en-US" smtClean="0"/>
+              <a:rPr lang="ko-KR" altLang="en-US"/>
               <a:t>넷째 수준</a:t>
             </a:r>
           </a:p>
           <a:p>
             <a:pPr lvl="4"/>
             <a:r>
-              <a:rPr lang="ko-KR" altLang="en-US" smtClean="0"/>
+              <a:rPr lang="ko-KR" altLang="en-US"/>
               <a:t>다섯째 수준</a:t>
             </a:r>
-            <a:endParaRPr lang="ko-KR" altLang="en-US"/>
           </a:p>
         </p:txBody>
       </p:sp>
@@ -455,7 +468,7 @@
           <a:p>
             <a:fld id="{FB30EDBD-1C2D-4C1E-B459-B60219FAB484}" type="datetimeFigureOut">
               <a:rPr lang="ko-KR" altLang="en-US" smtClean="0"/>
-              <a:t>2021-05-26</a:t>
+              <a:t>2021-07-09</a:t>
             </a:fld>
             <a:endParaRPr lang="ko-KR" altLang="en-US"/>
           </a:p>
@@ -549,10 +562,9 @@
           <a:lstStyle/>
           <a:p>
             <a:r>
-              <a:rPr lang="ko-KR" altLang="en-US" smtClean="0"/>
+              <a:rPr lang="ko-KR" altLang="en-US"/>
               <a:t>마스터 제목 스타일 편집</a:t>
             </a:r>
-            <a:endParaRPr lang="ko-KR" altLang="en-US"/>
           </a:p>
         </p:txBody>
       </p:sp>
@@ -578,38 +590,37 @@
           <a:p>
             <a:pPr lvl="0"/>
             <a:r>
-              <a:rPr lang="ko-KR" altLang="en-US" smtClean="0"/>
+              <a:rPr lang="ko-KR" altLang="en-US"/>
               <a:t>마스터 텍스트 스타일을 편집합니다</a:t>
             </a:r>
           </a:p>
           <a:p>
             <a:pPr lvl="1"/>
             <a:r>
-              <a:rPr lang="ko-KR" altLang="en-US" smtClean="0"/>
+              <a:rPr lang="ko-KR" altLang="en-US"/>
               <a:t>둘째 수준</a:t>
             </a:r>
           </a:p>
           <a:p>
             <a:pPr lvl="2"/>
             <a:r>
-              <a:rPr lang="ko-KR" altLang="en-US" smtClean="0"/>
+              <a:rPr lang="ko-KR" altLang="en-US"/>
               <a:t>셋째 수준</a:t>
             </a:r>
           </a:p>
           <a:p>
             <a:pPr lvl="3"/>
             <a:r>
-              <a:rPr lang="ko-KR" altLang="en-US" smtClean="0"/>
+              <a:rPr lang="ko-KR" altLang="en-US"/>
               <a:t>넷째 수준</a:t>
             </a:r>
           </a:p>
           <a:p>
             <a:pPr lvl="4"/>
             <a:r>
-              <a:rPr lang="ko-KR" altLang="en-US" smtClean="0"/>
+              <a:rPr lang="ko-KR" altLang="en-US"/>
               <a:t>다섯째 수준</a:t>
             </a:r>
-            <a:endParaRPr lang="ko-KR" altLang="en-US"/>
           </a:p>
         </p:txBody>
       </p:sp>
@@ -630,7 +641,7 @@
           <a:p>
             <a:fld id="{FB30EDBD-1C2D-4C1E-B459-B60219FAB484}" type="datetimeFigureOut">
               <a:rPr lang="ko-KR" altLang="en-US" smtClean="0"/>
-              <a:t>2021-05-26</a:t>
+              <a:t>2021-07-09</a:t>
             </a:fld>
             <a:endParaRPr lang="ko-KR" altLang="en-US"/>
           </a:p>
@@ -719,10 +730,9 @@
           <a:lstStyle/>
           <a:p>
             <a:r>
-              <a:rPr lang="ko-KR" altLang="en-US" smtClean="0"/>
+              <a:rPr lang="ko-KR" altLang="en-US"/>
               <a:t>마스터 제목 스타일 편집</a:t>
             </a:r>
-            <a:endParaRPr lang="ko-KR" altLang="en-US"/>
           </a:p>
         </p:txBody>
       </p:sp>
@@ -743,38 +753,37 @@
           <a:p>
             <a:pPr lvl="0"/>
             <a:r>
-              <a:rPr lang="ko-KR" altLang="en-US" smtClean="0"/>
+              <a:rPr lang="ko-KR" altLang="en-US"/>
               <a:t>마스터 텍스트 스타일을 편집합니다</a:t>
             </a:r>
           </a:p>
           <a:p>
             <a:pPr lvl="1"/>
             <a:r>
-              <a:rPr lang="ko-KR" altLang="en-US" smtClean="0"/>
+              <a:rPr lang="ko-KR" altLang="en-US"/>
               <a:t>둘째 수준</a:t>
             </a:r>
           </a:p>
           <a:p>
             <a:pPr lvl="2"/>
             <a:r>
-              <a:rPr lang="ko-KR" altLang="en-US" smtClean="0"/>
+              <a:rPr lang="ko-KR" altLang="en-US"/>
               <a:t>셋째 수준</a:t>
             </a:r>
           </a:p>
           <a:p>
             <a:pPr lvl="3"/>
             <a:r>
-              <a:rPr lang="ko-KR" altLang="en-US" smtClean="0"/>
+              <a:rPr lang="ko-KR" altLang="en-US"/>
               <a:t>넷째 수준</a:t>
             </a:r>
           </a:p>
           <a:p>
             <a:pPr lvl="4"/>
             <a:r>
-              <a:rPr lang="ko-KR" altLang="en-US" smtClean="0"/>
+              <a:rPr lang="ko-KR" altLang="en-US"/>
               <a:t>다섯째 수준</a:t>
             </a:r>
-            <a:endParaRPr lang="ko-KR" altLang="en-US"/>
           </a:p>
         </p:txBody>
       </p:sp>
@@ -795,7 +804,7 @@
           <a:p>
             <a:fld id="{FB30EDBD-1C2D-4C1E-B459-B60219FAB484}" type="datetimeFigureOut">
               <a:rPr lang="ko-KR" altLang="en-US" smtClean="0"/>
-              <a:t>2021-05-26</a:t>
+              <a:t>2021-07-09</a:t>
             </a:fld>
             <a:endParaRPr lang="ko-KR" altLang="en-US"/>
           </a:p>
@@ -893,10 +902,9 @@
           </a:lstStyle>
           <a:p>
             <a:r>
-              <a:rPr lang="ko-KR" altLang="en-US" smtClean="0"/>
+              <a:rPr lang="ko-KR" altLang="en-US"/>
               <a:t>마스터 제목 스타일 편집</a:t>
             </a:r>
-            <a:endParaRPr lang="ko-KR" altLang="en-US"/>
           </a:p>
         </p:txBody>
       </p:sp>
@@ -1013,7 +1021,7 @@
           <a:p>
             <a:pPr lvl="0"/>
             <a:r>
-              <a:rPr lang="ko-KR" altLang="en-US" smtClean="0"/>
+              <a:rPr lang="ko-KR" altLang="en-US"/>
               <a:t>마스터 텍스트 스타일을 편집합니다</a:t>
             </a:r>
           </a:p>
@@ -1036,7 +1044,7 @@
           <a:p>
             <a:fld id="{FB30EDBD-1C2D-4C1E-B459-B60219FAB484}" type="datetimeFigureOut">
               <a:rPr lang="ko-KR" altLang="en-US" smtClean="0"/>
-              <a:t>2021-05-26</a:t>
+              <a:t>2021-07-09</a:t>
             </a:fld>
             <a:endParaRPr lang="ko-KR" altLang="en-US"/>
           </a:p>
@@ -1125,10 +1133,9 @@
           <a:lstStyle/>
           <a:p>
             <a:r>
-              <a:rPr lang="ko-KR" altLang="en-US" smtClean="0"/>
+              <a:rPr lang="ko-KR" altLang="en-US"/>
               <a:t>마스터 제목 스타일 편집</a:t>
             </a:r>
-            <a:endParaRPr lang="ko-KR" altLang="en-US"/>
           </a:p>
         </p:txBody>
       </p:sp>
@@ -1182,38 +1189,37 @@
           <a:p>
             <a:pPr lvl="0"/>
             <a:r>
-              <a:rPr lang="ko-KR" altLang="en-US" smtClean="0"/>
+              <a:rPr lang="ko-KR" altLang="en-US"/>
               <a:t>마스터 텍스트 스타일을 편집합니다</a:t>
             </a:r>
           </a:p>
           <a:p>
             <a:pPr lvl="1"/>
             <a:r>
-              <a:rPr lang="ko-KR" altLang="en-US" smtClean="0"/>
+              <a:rPr lang="ko-KR" altLang="en-US"/>
               <a:t>둘째 수준</a:t>
             </a:r>
           </a:p>
           <a:p>
             <a:pPr lvl="2"/>
             <a:r>
-              <a:rPr lang="ko-KR" altLang="en-US" smtClean="0"/>
+              <a:rPr lang="ko-KR" altLang="en-US"/>
               <a:t>셋째 수준</a:t>
             </a:r>
           </a:p>
           <a:p>
             <a:pPr lvl="3"/>
             <a:r>
-              <a:rPr lang="ko-KR" altLang="en-US" smtClean="0"/>
+              <a:rPr lang="ko-KR" altLang="en-US"/>
               <a:t>넷째 수준</a:t>
             </a:r>
           </a:p>
           <a:p>
             <a:pPr lvl="4"/>
             <a:r>
-              <a:rPr lang="ko-KR" altLang="en-US" smtClean="0"/>
+              <a:rPr lang="ko-KR" altLang="en-US"/>
               <a:t>다섯째 수준</a:t>
             </a:r>
-            <a:endParaRPr lang="ko-KR" altLang="en-US"/>
           </a:p>
         </p:txBody>
       </p:sp>
@@ -1267,38 +1273,37 @@
           <a:p>
             <a:pPr lvl="0"/>
             <a:r>
-              <a:rPr lang="ko-KR" altLang="en-US" smtClean="0"/>
+              <a:rPr lang="ko-KR" altLang="en-US"/>
               <a:t>마스터 텍스트 스타일을 편집합니다</a:t>
             </a:r>
           </a:p>
           <a:p>
             <a:pPr lvl="1"/>
             <a:r>
-              <a:rPr lang="ko-KR" altLang="en-US" smtClean="0"/>
+              <a:rPr lang="ko-KR" altLang="en-US"/>
               <a:t>둘째 수준</a:t>
             </a:r>
           </a:p>
           <a:p>
             <a:pPr lvl="2"/>
             <a:r>
-              <a:rPr lang="ko-KR" altLang="en-US" smtClean="0"/>
+              <a:rPr lang="ko-KR" altLang="en-US"/>
               <a:t>셋째 수준</a:t>
             </a:r>
           </a:p>
           <a:p>
             <a:pPr lvl="3"/>
             <a:r>
-              <a:rPr lang="ko-KR" altLang="en-US" smtClean="0"/>
+              <a:rPr lang="ko-KR" altLang="en-US"/>
               <a:t>넷째 수준</a:t>
             </a:r>
           </a:p>
           <a:p>
             <a:pPr lvl="4"/>
             <a:r>
-              <a:rPr lang="ko-KR" altLang="en-US" smtClean="0"/>
+              <a:rPr lang="ko-KR" altLang="en-US"/>
               <a:t>다섯째 수준</a:t>
             </a:r>
-            <a:endParaRPr lang="ko-KR" altLang="en-US"/>
           </a:p>
         </p:txBody>
       </p:sp>
@@ -1319,7 +1324,7 @@
           <a:p>
             <a:fld id="{FB30EDBD-1C2D-4C1E-B459-B60219FAB484}" type="datetimeFigureOut">
               <a:rPr lang="ko-KR" altLang="en-US" smtClean="0"/>
-              <a:t>2021-05-26</a:t>
+              <a:t>2021-07-09</a:t>
             </a:fld>
             <a:endParaRPr lang="ko-KR" altLang="en-US"/>
           </a:p>
@@ -1412,10 +1417,9 @@
           </a:lstStyle>
           <a:p>
             <a:r>
-              <a:rPr lang="ko-KR" altLang="en-US" smtClean="0"/>
+              <a:rPr lang="ko-KR" altLang="en-US"/>
               <a:t>마스터 제목 스타일 편집</a:t>
             </a:r>
-            <a:endParaRPr lang="ko-KR" altLang="en-US"/>
           </a:p>
         </p:txBody>
       </p:sp>
@@ -1478,7 +1482,7 @@
           <a:p>
             <a:pPr lvl="0"/>
             <a:r>
-              <a:rPr lang="ko-KR" altLang="en-US" smtClean="0"/>
+              <a:rPr lang="ko-KR" altLang="en-US"/>
               <a:t>마스터 텍스트 스타일을 편집합니다</a:t>
             </a:r>
           </a:p>
@@ -1534,38 +1538,37 @@
           <a:p>
             <a:pPr lvl="0"/>
             <a:r>
-              <a:rPr lang="ko-KR" altLang="en-US" smtClean="0"/>
+              <a:rPr lang="ko-KR" altLang="en-US"/>
               <a:t>마스터 텍스트 스타일을 편집합니다</a:t>
             </a:r>
           </a:p>
           <a:p>
             <a:pPr lvl="1"/>
             <a:r>
-              <a:rPr lang="ko-KR" altLang="en-US" smtClean="0"/>
+              <a:rPr lang="ko-KR" altLang="en-US"/>
               <a:t>둘째 수준</a:t>
             </a:r>
           </a:p>
           <a:p>
             <a:pPr lvl="2"/>
             <a:r>
-              <a:rPr lang="ko-KR" altLang="en-US" smtClean="0"/>
+              <a:rPr lang="ko-KR" altLang="en-US"/>
               <a:t>셋째 수준</a:t>
             </a:r>
           </a:p>
           <a:p>
             <a:pPr lvl="3"/>
             <a:r>
-              <a:rPr lang="ko-KR" altLang="en-US" smtClean="0"/>
+              <a:rPr lang="ko-KR" altLang="en-US"/>
               <a:t>넷째 수준</a:t>
             </a:r>
           </a:p>
           <a:p>
             <a:pPr lvl="4"/>
             <a:r>
-              <a:rPr lang="ko-KR" altLang="en-US" smtClean="0"/>
+              <a:rPr lang="ko-KR" altLang="en-US"/>
               <a:t>다섯째 수준</a:t>
             </a:r>
-            <a:endParaRPr lang="ko-KR" altLang="en-US"/>
           </a:p>
         </p:txBody>
       </p:sp>
@@ -1628,7 +1631,7 @@
           <a:p>
             <a:pPr lvl="0"/>
             <a:r>
-              <a:rPr lang="ko-KR" altLang="en-US" smtClean="0"/>
+              <a:rPr lang="ko-KR" altLang="en-US"/>
               <a:t>마스터 텍스트 스타일을 편집합니다</a:t>
             </a:r>
           </a:p>
@@ -1684,38 +1687,37 @@
           <a:p>
             <a:pPr lvl="0"/>
             <a:r>
-              <a:rPr lang="ko-KR" altLang="en-US" smtClean="0"/>
+              <a:rPr lang="ko-KR" altLang="en-US"/>
               <a:t>마스터 텍스트 스타일을 편집합니다</a:t>
             </a:r>
           </a:p>
           <a:p>
             <a:pPr lvl="1"/>
             <a:r>
-              <a:rPr lang="ko-KR" altLang="en-US" smtClean="0"/>
+              <a:rPr lang="ko-KR" altLang="en-US"/>
               <a:t>둘째 수준</a:t>
             </a:r>
           </a:p>
           <a:p>
             <a:pPr lvl="2"/>
             <a:r>
-              <a:rPr lang="ko-KR" altLang="en-US" smtClean="0"/>
+              <a:rPr lang="ko-KR" altLang="en-US"/>
               <a:t>셋째 수준</a:t>
             </a:r>
           </a:p>
           <a:p>
             <a:pPr lvl="3"/>
             <a:r>
-              <a:rPr lang="ko-KR" altLang="en-US" smtClean="0"/>
+              <a:rPr lang="ko-KR" altLang="en-US"/>
               <a:t>넷째 수준</a:t>
             </a:r>
           </a:p>
           <a:p>
             <a:pPr lvl="4"/>
             <a:r>
-              <a:rPr lang="ko-KR" altLang="en-US" smtClean="0"/>
+              <a:rPr lang="ko-KR" altLang="en-US"/>
               <a:t>다섯째 수준</a:t>
             </a:r>
-            <a:endParaRPr lang="ko-KR" altLang="en-US"/>
           </a:p>
         </p:txBody>
       </p:sp>
@@ -1736,7 +1738,7 @@
           <a:p>
             <a:fld id="{FB30EDBD-1C2D-4C1E-B459-B60219FAB484}" type="datetimeFigureOut">
               <a:rPr lang="ko-KR" altLang="en-US" smtClean="0"/>
-              <a:t>2021-05-26</a:t>
+              <a:t>2021-07-09</a:t>
             </a:fld>
             <a:endParaRPr lang="ko-KR" altLang="en-US"/>
           </a:p>
@@ -1825,10 +1827,9 @@
           <a:lstStyle/>
           <a:p>
             <a:r>
-              <a:rPr lang="ko-KR" altLang="en-US" smtClean="0"/>
+              <a:rPr lang="ko-KR" altLang="en-US"/>
               <a:t>마스터 제목 스타일 편집</a:t>
             </a:r>
-            <a:endParaRPr lang="ko-KR" altLang="en-US"/>
           </a:p>
         </p:txBody>
       </p:sp>
@@ -1849,7 +1850,7 @@
           <a:p>
             <a:fld id="{FB30EDBD-1C2D-4C1E-B459-B60219FAB484}" type="datetimeFigureOut">
               <a:rPr lang="ko-KR" altLang="en-US" smtClean="0"/>
-              <a:t>2021-05-26</a:t>
+              <a:t>2021-07-09</a:t>
             </a:fld>
             <a:endParaRPr lang="ko-KR" altLang="en-US"/>
           </a:p>
@@ -1939,7 +1940,7 @@
           <a:p>
             <a:fld id="{FB30EDBD-1C2D-4C1E-B459-B60219FAB484}" type="datetimeFigureOut">
               <a:rPr lang="ko-KR" altLang="en-US" smtClean="0"/>
-              <a:t>2021-05-26</a:t>
+              <a:t>2021-07-09</a:t>
             </a:fld>
             <a:endParaRPr lang="ko-KR" altLang="en-US"/>
           </a:p>
@@ -2037,10 +2038,9 @@
           </a:lstStyle>
           <a:p>
             <a:r>
-              <a:rPr lang="ko-KR" altLang="en-US" smtClean="0"/>
+              <a:rPr lang="ko-KR" altLang="en-US"/>
               <a:t>마스터 제목 스타일 편집</a:t>
             </a:r>
-            <a:endParaRPr lang="ko-KR" altLang="en-US"/>
           </a:p>
         </p:txBody>
       </p:sp>
@@ -2094,38 +2094,37 @@
           <a:p>
             <a:pPr lvl="0"/>
             <a:r>
-              <a:rPr lang="ko-KR" altLang="en-US" smtClean="0"/>
+              <a:rPr lang="ko-KR" altLang="en-US"/>
               <a:t>마스터 텍스트 스타일을 편집합니다</a:t>
             </a:r>
           </a:p>
           <a:p>
             <a:pPr lvl="1"/>
             <a:r>
-              <a:rPr lang="ko-KR" altLang="en-US" smtClean="0"/>
+              <a:rPr lang="ko-KR" altLang="en-US"/>
               <a:t>둘째 수준</a:t>
             </a:r>
           </a:p>
           <a:p>
             <a:pPr lvl="2"/>
             <a:r>
-              <a:rPr lang="ko-KR" altLang="en-US" smtClean="0"/>
+              <a:rPr lang="ko-KR" altLang="en-US"/>
               <a:t>셋째 수준</a:t>
             </a:r>
           </a:p>
           <a:p>
             <a:pPr lvl="3"/>
             <a:r>
-              <a:rPr lang="ko-KR" altLang="en-US" smtClean="0"/>
+              <a:rPr lang="ko-KR" altLang="en-US"/>
               <a:t>넷째 수준</a:t>
             </a:r>
           </a:p>
           <a:p>
             <a:pPr lvl="4"/>
             <a:r>
-              <a:rPr lang="ko-KR" altLang="en-US" smtClean="0"/>
+              <a:rPr lang="ko-KR" altLang="en-US"/>
               <a:t>다섯째 수준</a:t>
             </a:r>
-            <a:endParaRPr lang="ko-KR" altLang="en-US"/>
           </a:p>
         </p:txBody>
       </p:sp>
@@ -2188,7 +2187,7 @@
           <a:p>
             <a:pPr lvl="0"/>
             <a:r>
-              <a:rPr lang="ko-KR" altLang="en-US" smtClean="0"/>
+              <a:rPr lang="ko-KR" altLang="en-US"/>
               <a:t>마스터 텍스트 스타일을 편집합니다</a:t>
             </a:r>
           </a:p>
@@ -2211,7 +2210,7 @@
           <a:p>
             <a:fld id="{FB30EDBD-1C2D-4C1E-B459-B60219FAB484}" type="datetimeFigureOut">
               <a:rPr lang="ko-KR" altLang="en-US" smtClean="0"/>
-              <a:t>2021-05-26</a:t>
+              <a:t>2021-07-09</a:t>
             </a:fld>
             <a:endParaRPr lang="ko-KR" altLang="en-US"/>
           </a:p>
@@ -2309,10 +2308,9 @@
           </a:lstStyle>
           <a:p>
             <a:r>
-              <a:rPr lang="ko-KR" altLang="en-US" smtClean="0"/>
+              <a:rPr lang="ko-KR" altLang="en-US"/>
               <a:t>마스터 제목 스타일 편집</a:t>
             </a:r>
-            <a:endParaRPr lang="ko-KR" altLang="en-US"/>
           </a:p>
         </p:txBody>
       </p:sp>
@@ -2436,7 +2434,7 @@
           <a:p>
             <a:pPr lvl="0"/>
             <a:r>
-              <a:rPr lang="ko-KR" altLang="en-US" smtClean="0"/>
+              <a:rPr lang="ko-KR" altLang="en-US"/>
               <a:t>마스터 텍스트 스타일을 편집합니다</a:t>
             </a:r>
           </a:p>
@@ -2459,7 +2457,7 @@
           <a:p>
             <a:fld id="{FB30EDBD-1C2D-4C1E-B459-B60219FAB484}" type="datetimeFigureOut">
               <a:rPr lang="ko-KR" altLang="en-US" smtClean="0"/>
-              <a:t>2021-05-26</a:t>
+              <a:t>2021-07-09</a:t>
             </a:fld>
             <a:endParaRPr lang="ko-KR" altLang="en-US"/>
           </a:p>
@@ -2563,10 +2561,9 @@
           <a:lstStyle/>
           <a:p>
             <a:r>
-              <a:rPr lang="ko-KR" altLang="en-US" smtClean="0"/>
+              <a:rPr lang="ko-KR" altLang="en-US"/>
               <a:t>마스터 제목 스타일 편집</a:t>
             </a:r>
-            <a:endParaRPr lang="ko-KR" altLang="en-US"/>
           </a:p>
         </p:txBody>
       </p:sp>
@@ -2597,38 +2594,37 @@
           <a:p>
             <a:pPr lvl="0"/>
             <a:r>
-              <a:rPr lang="ko-KR" altLang="en-US" smtClean="0"/>
+              <a:rPr lang="ko-KR" altLang="en-US"/>
               <a:t>마스터 텍스트 스타일을 편집합니다</a:t>
             </a:r>
           </a:p>
           <a:p>
             <a:pPr lvl="1"/>
             <a:r>
-              <a:rPr lang="ko-KR" altLang="en-US" smtClean="0"/>
+              <a:rPr lang="ko-KR" altLang="en-US"/>
               <a:t>둘째 수준</a:t>
             </a:r>
           </a:p>
           <a:p>
             <a:pPr lvl="2"/>
             <a:r>
-              <a:rPr lang="ko-KR" altLang="en-US" smtClean="0"/>
+              <a:rPr lang="ko-KR" altLang="en-US"/>
               <a:t>셋째 수준</a:t>
             </a:r>
           </a:p>
           <a:p>
             <a:pPr lvl="3"/>
             <a:r>
-              <a:rPr lang="ko-KR" altLang="en-US" smtClean="0"/>
+              <a:rPr lang="ko-KR" altLang="en-US"/>
               <a:t>넷째 수준</a:t>
             </a:r>
           </a:p>
           <a:p>
             <a:pPr lvl="4"/>
             <a:r>
-              <a:rPr lang="ko-KR" altLang="en-US" smtClean="0"/>
+              <a:rPr lang="ko-KR" altLang="en-US"/>
               <a:t>다섯째 수준</a:t>
             </a:r>
-            <a:endParaRPr lang="ko-KR" altLang="en-US"/>
           </a:p>
         </p:txBody>
       </p:sp>
@@ -2667,7 +2663,7 @@
           <a:p>
             <a:fld id="{FB30EDBD-1C2D-4C1E-B459-B60219FAB484}" type="datetimeFigureOut">
               <a:rPr lang="ko-KR" altLang="en-US" smtClean="0"/>
-              <a:t>2021-05-26</a:t>
+              <a:t>2021-07-09</a:t>
             </a:fld>
             <a:endParaRPr lang="ko-KR" altLang="en-US"/>
           </a:p>
@@ -3203,18 +3199,17 @@
           <a:p>
             <a:pPr algn="ctr"/>
             <a:r>
-              <a:rPr lang="ko-KR" altLang="en-US" sz="900" dirty="0" smtClean="0"/>
+              <a:rPr lang="ko-KR" altLang="en-US" sz="900" dirty="0"/>
               <a:t>시간 포인트에</a:t>
             </a:r>
-            <a:endParaRPr lang="en-US" altLang="ko-KR" sz="900" dirty="0" smtClean="0"/>
+            <a:endParaRPr lang="en-US" altLang="ko-KR" sz="900" dirty="0"/>
           </a:p>
           <a:p>
             <a:pPr algn="ctr"/>
             <a:r>
-              <a:rPr lang="ko-KR" altLang="en-US" sz="900" dirty="0" smtClean="0"/>
+              <a:rPr lang="ko-KR" altLang="en-US" sz="900" dirty="0"/>
               <a:t>맞게 기울기 조정</a:t>
             </a:r>
-            <a:endParaRPr lang="ko-KR" altLang="en-US" sz="900" dirty="0"/>
           </a:p>
         </p:txBody>
       </p:sp>
@@ -3440,6 +3435,750 @@
     <p:extLst>
       <p:ext uri="{BB962C8B-B14F-4D97-AF65-F5344CB8AC3E}">
         <p14:creationId xmlns:p14="http://schemas.microsoft.com/office/powerpoint/2010/main" val="2123259160"/>
+      </p:ext>
+    </p:extLst>
+  </p:cSld>
+  <p:clrMapOvr>
+    <a:masterClrMapping/>
+  </p:clrMapOvr>
+</p:sld>
+</file>
+
+<file path=ppt/slides/slide4.xml><?xml version="1.0" encoding="utf-8"?>
+<p:sld xmlns:a="http://schemas.openxmlformats.org/drawingml/2006/main" xmlns:r="http://schemas.openxmlformats.org/officeDocument/2006/relationships" xmlns:p="http://schemas.openxmlformats.org/presentationml/2006/main">
+  <p:cSld>
+    <p:spTree>
+      <p:nvGrpSpPr>
+        <p:cNvPr id="1" name=""/>
+        <p:cNvGrpSpPr/>
+        <p:nvPr/>
+      </p:nvGrpSpPr>
+      <p:grpSpPr>
+        <a:xfrm>
+          <a:off x="0" y="0"/>
+          <a:ext cx="0" cy="0"/>
+          <a:chOff x="0" y="0"/>
+          <a:chExt cx="0" cy="0"/>
+        </a:xfrm>
+      </p:grpSpPr>
+      <p:pic>
+        <p:nvPicPr>
+          <p:cNvPr id="6" name="Picture 2">
+            <a:extLst>
+              <a:ext uri="{FF2B5EF4-FFF2-40B4-BE49-F238E27FC236}">
+                <a16:creationId xmlns:a16="http://schemas.microsoft.com/office/drawing/2014/main" id="{41E42B02-90CD-448F-BAD7-974D945BABA4}"/>
+              </a:ext>
+            </a:extLst>
+          </p:cNvPr>
+          <p:cNvPicPr>
+            <a:picLocks noChangeAspect="1" noChangeArrowheads="1"/>
+          </p:cNvPicPr>
+          <p:nvPr/>
+        </p:nvPicPr>
+        <p:blipFill>
+          <a:blip r:embed="rId2">
+            <a:extLst>
+              <a:ext uri="{28A0092B-C50C-407E-A947-70E740481C1C}">
+                <a14:useLocalDpi xmlns:a14="http://schemas.microsoft.com/office/drawing/2010/main" val="0"/>
+              </a:ext>
+            </a:extLst>
+          </a:blip>
+          <a:srcRect/>
+          <a:stretch>
+            <a:fillRect/>
+          </a:stretch>
+        </p:blipFill>
+        <p:spPr bwMode="auto">
+          <a:xfrm>
+            <a:off x="3778180" y="476672"/>
+            <a:ext cx="5324475" cy="3990975"/>
+          </a:xfrm>
+          <a:prstGeom prst="rect">
+            <a:avLst/>
+          </a:prstGeom>
+          <a:noFill/>
+          <a:ln>
+            <a:noFill/>
+          </a:ln>
+          <a:effectLst/>
+          <a:extLst>
+            <a:ext uri="{909E8E84-426E-40DD-AFC4-6F175D3DCCD1}">
+              <a14:hiddenFill xmlns:a14="http://schemas.microsoft.com/office/drawing/2010/main">
+                <a:solidFill>
+                  <a:schemeClr val="accent1"/>
+                </a:solidFill>
+              </a14:hiddenFill>
+            </a:ext>
+            <a:ext uri="{91240B29-F687-4F45-9708-019B960494DF}">
+              <a14:hiddenLine xmlns:a14="http://schemas.microsoft.com/office/drawing/2010/main" w="9525">
+                <a:solidFill>
+                  <a:schemeClr val="tx1"/>
+                </a:solidFill>
+                <a:miter lim="800000"/>
+                <a:headEnd/>
+                <a:tailEnd/>
+              </a14:hiddenLine>
+            </a:ext>
+            <a:ext uri="{AF507438-7753-43E0-B8FC-AC1667EBCBE1}">
+              <a14:hiddenEffects xmlns:a14="http://schemas.microsoft.com/office/drawing/2010/main">
+                <a:effectLst>
+                  <a:outerShdw dist="35921" dir="2700000" algn="ctr" rotWithShape="0">
+                    <a:schemeClr val="bg2"/>
+                  </a:outerShdw>
+                </a:effectLst>
+              </a14:hiddenEffects>
+            </a:ext>
+          </a:extLst>
+        </p:spPr>
+      </p:pic>
+      <p:pic>
+        <p:nvPicPr>
+          <p:cNvPr id="5" name="Picture 2">
+            <a:extLst>
+              <a:ext uri="{FF2B5EF4-FFF2-40B4-BE49-F238E27FC236}">
+                <a16:creationId xmlns:a16="http://schemas.microsoft.com/office/drawing/2014/main" id="{613A140A-7A4B-4145-ABA0-A3315E7C7A2B}"/>
+              </a:ext>
+            </a:extLst>
+          </p:cNvPr>
+          <p:cNvPicPr>
+            <a:picLocks noChangeAspect="1" noChangeArrowheads="1"/>
+          </p:cNvPicPr>
+          <p:nvPr/>
+        </p:nvPicPr>
+        <p:blipFill>
+          <a:blip r:embed="rId2">
+            <a:extLst>
+              <a:ext uri="{28A0092B-C50C-407E-A947-70E740481C1C}">
+                <a14:useLocalDpi xmlns:a14="http://schemas.microsoft.com/office/drawing/2010/main" val="0"/>
+              </a:ext>
+            </a:extLst>
+          </a:blip>
+          <a:srcRect/>
+          <a:stretch>
+            <a:fillRect/>
+          </a:stretch>
+        </p:blipFill>
+        <p:spPr bwMode="auto">
+          <a:xfrm>
+            <a:off x="1259632" y="1484784"/>
+            <a:ext cx="5324475" cy="3990975"/>
+          </a:xfrm>
+          <a:prstGeom prst="rect">
+            <a:avLst/>
+          </a:prstGeom>
+          <a:noFill/>
+          <a:ln>
+            <a:noFill/>
+          </a:ln>
+          <a:effectLst/>
+          <a:extLst>
+            <a:ext uri="{909E8E84-426E-40DD-AFC4-6F175D3DCCD1}">
+              <a14:hiddenFill xmlns:a14="http://schemas.microsoft.com/office/drawing/2010/main">
+                <a:solidFill>
+                  <a:schemeClr val="accent1"/>
+                </a:solidFill>
+              </a14:hiddenFill>
+            </a:ext>
+            <a:ext uri="{91240B29-F687-4F45-9708-019B960494DF}">
+              <a14:hiddenLine xmlns:a14="http://schemas.microsoft.com/office/drawing/2010/main" w="9525">
+                <a:solidFill>
+                  <a:schemeClr val="tx1"/>
+                </a:solidFill>
+                <a:miter lim="800000"/>
+                <a:headEnd/>
+                <a:tailEnd/>
+              </a14:hiddenLine>
+            </a:ext>
+            <a:ext uri="{AF507438-7753-43E0-B8FC-AC1667EBCBE1}">
+              <a14:hiddenEffects xmlns:a14="http://schemas.microsoft.com/office/drawing/2010/main">
+                <a:effectLst>
+                  <a:outerShdw dist="35921" dir="2700000" algn="ctr" rotWithShape="0">
+                    <a:schemeClr val="bg2"/>
+                  </a:outerShdw>
+                </a:effectLst>
+              </a14:hiddenEffects>
+            </a:ext>
+          </a:extLst>
+        </p:spPr>
+      </p:pic>
+      <p:cxnSp>
+        <p:nvCxnSpPr>
+          <p:cNvPr id="8" name="직선 연결선 7">
+            <a:extLst>
+              <a:ext uri="{FF2B5EF4-FFF2-40B4-BE49-F238E27FC236}">
+                <a16:creationId xmlns:a16="http://schemas.microsoft.com/office/drawing/2014/main" id="{33BF0702-91CC-4201-A57E-1A5BCBAC6020}"/>
+              </a:ext>
+            </a:extLst>
+          </p:cNvPr>
+          <p:cNvCxnSpPr>
+            <a:cxnSpLocks/>
+          </p:cNvCxnSpPr>
+          <p:nvPr/>
+        </p:nvCxnSpPr>
+        <p:spPr>
+          <a:xfrm flipV="1">
+            <a:off x="1259632" y="764704"/>
+            <a:ext cx="3672408" cy="1440160"/>
+          </a:xfrm>
+          <a:prstGeom prst="line">
+            <a:avLst/>
+          </a:prstGeom>
+          <a:ln>
+            <a:solidFill>
+              <a:schemeClr val="tx1"/>
+            </a:solidFill>
+            <a:prstDash val="dash"/>
+          </a:ln>
+        </p:spPr>
+        <p:style>
+          <a:lnRef idx="1">
+            <a:schemeClr val="accent1"/>
+          </a:lnRef>
+          <a:fillRef idx="0">
+            <a:schemeClr val="accent1"/>
+          </a:fillRef>
+          <a:effectRef idx="0">
+            <a:schemeClr val="accent1"/>
+          </a:effectRef>
+          <a:fontRef idx="minor">
+            <a:schemeClr val="tx1"/>
+          </a:fontRef>
+        </p:style>
+      </p:cxnSp>
+      <p:cxnSp>
+        <p:nvCxnSpPr>
+          <p:cNvPr id="11" name="직선 연결선 10">
+            <a:extLst>
+              <a:ext uri="{FF2B5EF4-FFF2-40B4-BE49-F238E27FC236}">
+                <a16:creationId xmlns:a16="http://schemas.microsoft.com/office/drawing/2014/main" id="{5381C86B-938A-4E59-A67D-6D092F2B9E22}"/>
+              </a:ext>
+            </a:extLst>
+          </p:cNvPr>
+          <p:cNvCxnSpPr>
+            <a:cxnSpLocks/>
+          </p:cNvCxnSpPr>
+          <p:nvPr/>
+        </p:nvCxnSpPr>
+        <p:spPr>
+          <a:xfrm flipV="1">
+            <a:off x="4499992" y="4035599"/>
+            <a:ext cx="3672408" cy="1440160"/>
+          </a:xfrm>
+          <a:prstGeom prst="line">
+            <a:avLst/>
+          </a:prstGeom>
+          <a:ln>
+            <a:solidFill>
+              <a:schemeClr val="tx1"/>
+            </a:solidFill>
+            <a:prstDash val="dash"/>
+          </a:ln>
+        </p:spPr>
+        <p:style>
+          <a:lnRef idx="1">
+            <a:schemeClr val="accent1"/>
+          </a:lnRef>
+          <a:fillRef idx="0">
+            <a:schemeClr val="accent1"/>
+          </a:fillRef>
+          <a:effectRef idx="0">
+            <a:schemeClr val="accent1"/>
+          </a:effectRef>
+          <a:fontRef idx="minor">
+            <a:schemeClr val="tx1"/>
+          </a:fontRef>
+        </p:style>
+      </p:cxnSp>
+      <p:cxnSp>
+        <p:nvCxnSpPr>
+          <p:cNvPr id="13" name="직선 화살표 연결선 12">
+            <a:extLst>
+              <a:ext uri="{FF2B5EF4-FFF2-40B4-BE49-F238E27FC236}">
+                <a16:creationId xmlns:a16="http://schemas.microsoft.com/office/drawing/2014/main" id="{7B8BF2BA-D8CB-414E-A424-90028F6A2DEC}"/>
+              </a:ext>
+            </a:extLst>
+          </p:cNvPr>
+          <p:cNvCxnSpPr/>
+          <p:nvPr/>
+        </p:nvCxnSpPr>
+        <p:spPr>
+          <a:xfrm flipV="1">
+            <a:off x="1043608" y="620688"/>
+            <a:ext cx="3672408" cy="1440160"/>
+          </a:xfrm>
+          <a:prstGeom prst="straightConnector1">
+            <a:avLst/>
+          </a:prstGeom>
+          <a:ln w="19050">
+            <a:solidFill>
+              <a:schemeClr val="tx1"/>
+            </a:solidFill>
+            <a:tailEnd type="triangle"/>
+          </a:ln>
+        </p:spPr>
+        <p:style>
+          <a:lnRef idx="1">
+            <a:schemeClr val="accent1"/>
+          </a:lnRef>
+          <a:fillRef idx="0">
+            <a:schemeClr val="accent1"/>
+          </a:fillRef>
+          <a:effectRef idx="0">
+            <a:schemeClr val="accent1"/>
+          </a:effectRef>
+          <a:fontRef idx="minor">
+            <a:schemeClr val="tx1"/>
+          </a:fontRef>
+        </p:style>
+      </p:cxnSp>
+      <p:sp>
+        <p:nvSpPr>
+          <p:cNvPr id="14" name="TextBox 13">
+            <a:extLst>
+              <a:ext uri="{FF2B5EF4-FFF2-40B4-BE49-F238E27FC236}">
+                <a16:creationId xmlns:a16="http://schemas.microsoft.com/office/drawing/2014/main" id="{57741C98-C416-4DC3-825E-043C25CB680D}"/>
+              </a:ext>
+            </a:extLst>
+          </p:cNvPr>
+          <p:cNvSpPr txBox="1"/>
+          <p:nvPr/>
+        </p:nvSpPr>
+        <p:spPr>
+          <a:xfrm rot="20319788">
+            <a:off x="1994758" y="1011966"/>
+            <a:ext cx="1420582" cy="369332"/>
+          </a:xfrm>
+          <a:prstGeom prst="rect">
+            <a:avLst/>
+          </a:prstGeom>
+          <a:noFill/>
+        </p:spPr>
+        <p:txBody>
+          <a:bodyPr wrap="none" rtlCol="0">
+            <a:spAutoFit/>
+          </a:bodyPr>
+          <a:lstStyle/>
+          <a:p>
+            <a:r>
+              <a:rPr lang="ko-KR" altLang="en-US"/>
+              <a:t>시간의 흐름</a:t>
+            </a:r>
+          </a:p>
+        </p:txBody>
+      </p:sp>
+      <mc:AlternateContent xmlns:mc="http://schemas.openxmlformats.org/markup-compatibility/2006">
+        <mc:Choice xmlns:a14="http://schemas.microsoft.com/office/drawing/2010/main" Requires="a14">
+          <p:sp>
+            <p:nvSpPr>
+              <p:cNvPr id="16" name="TextBox 15">
+                <a:extLst>
+                  <a:ext uri="{FF2B5EF4-FFF2-40B4-BE49-F238E27FC236}">
+                    <a16:creationId xmlns:a16="http://schemas.microsoft.com/office/drawing/2014/main" id="{7D0B4A22-080C-4E0F-9DDB-F92E04851910}"/>
+                  </a:ext>
+                </a:extLst>
+              </p:cNvPr>
+              <p:cNvSpPr txBox="1"/>
+              <p:nvPr/>
+            </p:nvSpPr>
+            <p:spPr>
+              <a:xfrm>
+                <a:off x="2466138" y="1863874"/>
+                <a:ext cx="969368" cy="369332"/>
+              </a:xfrm>
+              <a:prstGeom prst="rect">
+                <a:avLst/>
+              </a:prstGeom>
+              <a:solidFill>
+                <a:schemeClr val="bg1"/>
+              </a:solidFill>
+              <a:ln>
+                <a:solidFill>
+                  <a:schemeClr val="tx1"/>
+                </a:solidFill>
+              </a:ln>
+            </p:spPr>
+            <p:txBody>
+              <a:bodyPr wrap="none" rtlCol="0">
+                <a:spAutoFit/>
+              </a:bodyPr>
+              <a:lstStyle/>
+              <a:p>
+                <a14:m>
+                  <m:oMathPara xmlns:m="http://schemas.openxmlformats.org/officeDocument/2006/math">
+                    <m:oMathParaPr>
+                      <m:jc m:val="centerGroup"/>
+                    </m:oMathParaPr>
+                    <m:oMath xmlns:m="http://schemas.openxmlformats.org/officeDocument/2006/math">
+                      <m:r>
+                        <a:rPr lang="en-US" altLang="ko-KR" b="0" i="1" smtClean="0">
+                          <a:latin typeface="Cambria Math" panose="02040503050406030204" pitchFamily="18" charset="0"/>
+                        </a:rPr>
+                        <m:t>𝑡</m:t>
+                      </m:r>
+                      <m:r>
+                        <a:rPr lang="en-US" altLang="ko-KR" b="0" i="1" smtClean="0">
+                          <a:latin typeface="Cambria Math" panose="02040503050406030204" pitchFamily="18" charset="0"/>
+                        </a:rPr>
+                        <m:t>=0.1</m:t>
+                      </m:r>
+                    </m:oMath>
+                  </m:oMathPara>
+                </a14:m>
+                <a:endParaRPr lang="ko-KR" altLang="en-US" dirty="0"/>
+              </a:p>
+            </p:txBody>
+          </p:sp>
+        </mc:Choice>
+        <mc:Fallback>
+          <p:sp>
+            <p:nvSpPr>
+              <p:cNvPr id="16" name="TextBox 15">
+                <a:extLst>
+                  <a:ext uri="{FF2B5EF4-FFF2-40B4-BE49-F238E27FC236}">
+                    <a16:creationId xmlns:a16="http://schemas.microsoft.com/office/drawing/2014/main" id="{7D0B4A22-080C-4E0F-9DDB-F92E04851910}"/>
+                  </a:ext>
+                </a:extLst>
+              </p:cNvPr>
+              <p:cNvSpPr txBox="1">
+                <a:spLocks noRot="1" noChangeAspect="1" noMove="1" noResize="1" noEditPoints="1" noAdjustHandles="1" noChangeArrowheads="1" noChangeShapeType="1" noTextEdit="1"/>
+              </p:cNvSpPr>
+              <p:nvPr/>
+            </p:nvSpPr>
+            <p:spPr>
+              <a:xfrm>
+                <a:off x="2466138" y="1863874"/>
+                <a:ext cx="969368" cy="369332"/>
+              </a:xfrm>
+              <a:prstGeom prst="rect">
+                <a:avLst/>
+              </a:prstGeom>
+              <a:blipFill>
+                <a:blip r:embed="rId3"/>
+                <a:stretch>
+                  <a:fillRect/>
+                </a:stretch>
+              </a:blipFill>
+              <a:ln>
+                <a:solidFill>
+                  <a:schemeClr val="tx1"/>
+                </a:solidFill>
+              </a:ln>
+            </p:spPr>
+            <p:txBody>
+              <a:bodyPr/>
+              <a:lstStyle/>
+              <a:p>
+                <a:r>
+                  <a:rPr lang="ko-KR" altLang="en-US">
+                    <a:noFill/>
+                  </a:rPr>
+                  <a:t> </a:t>
+                </a:r>
+              </a:p>
+            </p:txBody>
+          </p:sp>
+        </mc:Fallback>
+      </mc:AlternateContent>
+      <mc:AlternateContent xmlns:mc="http://schemas.openxmlformats.org/markup-compatibility/2006">
+        <mc:Choice xmlns:a14="http://schemas.microsoft.com/office/drawing/2010/main" Requires="a14">
+          <p:sp>
+            <p:nvSpPr>
+              <p:cNvPr id="17" name="TextBox 16">
+                <a:extLst>
+                  <a:ext uri="{FF2B5EF4-FFF2-40B4-BE49-F238E27FC236}">
+                    <a16:creationId xmlns:a16="http://schemas.microsoft.com/office/drawing/2014/main" id="{709C3954-90EA-41ED-B4E8-1368ED18F756}"/>
+                  </a:ext>
+                </a:extLst>
+              </p:cNvPr>
+              <p:cNvSpPr txBox="1"/>
+              <p:nvPr/>
+            </p:nvSpPr>
+            <p:spPr>
+              <a:xfrm>
+                <a:off x="4993743" y="868070"/>
+                <a:ext cx="969368" cy="369332"/>
+              </a:xfrm>
+              <a:prstGeom prst="rect">
+                <a:avLst/>
+              </a:prstGeom>
+              <a:solidFill>
+                <a:schemeClr val="bg1"/>
+              </a:solidFill>
+              <a:ln>
+                <a:solidFill>
+                  <a:schemeClr val="tx1"/>
+                </a:solidFill>
+              </a:ln>
+            </p:spPr>
+            <p:txBody>
+              <a:bodyPr wrap="none" rtlCol="0">
+                <a:spAutoFit/>
+              </a:bodyPr>
+              <a:lstStyle/>
+              <a:p>
+                <a14:m>
+                  <m:oMathPara xmlns:m="http://schemas.openxmlformats.org/officeDocument/2006/math">
+                    <m:oMathParaPr>
+                      <m:jc m:val="centerGroup"/>
+                    </m:oMathParaPr>
+                    <m:oMath xmlns:m="http://schemas.openxmlformats.org/officeDocument/2006/math">
+                      <m:r>
+                        <a:rPr lang="en-US" altLang="ko-KR" b="0" i="1" smtClean="0">
+                          <a:latin typeface="Cambria Math" panose="02040503050406030204" pitchFamily="18" charset="0"/>
+                        </a:rPr>
+                        <m:t>𝑡</m:t>
+                      </m:r>
+                      <m:r>
+                        <a:rPr lang="en-US" altLang="ko-KR" b="0" i="1" smtClean="0">
+                          <a:latin typeface="Cambria Math" panose="02040503050406030204" pitchFamily="18" charset="0"/>
+                        </a:rPr>
+                        <m:t>=1.5</m:t>
+                      </m:r>
+                    </m:oMath>
+                  </m:oMathPara>
+                </a14:m>
+                <a:endParaRPr lang="ko-KR" altLang="en-US" dirty="0"/>
+              </a:p>
+            </p:txBody>
+          </p:sp>
+        </mc:Choice>
+        <mc:Fallback>
+          <p:sp>
+            <p:nvSpPr>
+              <p:cNvPr id="17" name="TextBox 16">
+                <a:extLst>
+                  <a:ext uri="{FF2B5EF4-FFF2-40B4-BE49-F238E27FC236}">
+                    <a16:creationId xmlns:a16="http://schemas.microsoft.com/office/drawing/2014/main" id="{709C3954-90EA-41ED-B4E8-1368ED18F756}"/>
+                  </a:ext>
+                </a:extLst>
+              </p:cNvPr>
+              <p:cNvSpPr txBox="1">
+                <a:spLocks noRot="1" noChangeAspect="1" noMove="1" noResize="1" noEditPoints="1" noAdjustHandles="1" noChangeArrowheads="1" noChangeShapeType="1" noTextEdit="1"/>
+              </p:cNvSpPr>
+              <p:nvPr/>
+            </p:nvSpPr>
+            <p:spPr>
+              <a:xfrm>
+                <a:off x="4993743" y="868070"/>
+                <a:ext cx="969368" cy="369332"/>
+              </a:xfrm>
+              <a:prstGeom prst="rect">
+                <a:avLst/>
+              </a:prstGeom>
+              <a:blipFill>
+                <a:blip r:embed="rId4"/>
+                <a:stretch>
+                  <a:fillRect/>
+                </a:stretch>
+              </a:blipFill>
+              <a:ln>
+                <a:solidFill>
+                  <a:schemeClr val="tx1"/>
+                </a:solidFill>
+              </a:ln>
+            </p:spPr>
+            <p:txBody>
+              <a:bodyPr/>
+              <a:lstStyle/>
+              <a:p>
+                <a:r>
+                  <a:rPr lang="ko-KR" altLang="en-US">
+                    <a:noFill/>
+                  </a:rPr>
+                  <a:t> </a:t>
+                </a:r>
+              </a:p>
+            </p:txBody>
+          </p:sp>
+        </mc:Fallback>
+      </mc:AlternateContent>
+      <p:pic>
+        <p:nvPicPr>
+          <p:cNvPr id="4" name="Picture 2">
+            <a:extLst>
+              <a:ext uri="{FF2B5EF4-FFF2-40B4-BE49-F238E27FC236}">
+                <a16:creationId xmlns:a16="http://schemas.microsoft.com/office/drawing/2014/main" id="{93851CED-9519-4ECA-B937-ACCB47D25CBF}"/>
+              </a:ext>
+            </a:extLst>
+          </p:cNvPr>
+          <p:cNvPicPr>
+            <a:picLocks noChangeAspect="1" noChangeArrowheads="1"/>
+          </p:cNvPicPr>
+          <p:nvPr/>
+        </p:nvPicPr>
+        <p:blipFill>
+          <a:blip r:embed="rId2">
+            <a:extLst>
+              <a:ext uri="{28A0092B-C50C-407E-A947-70E740481C1C}">
+                <a14:useLocalDpi xmlns:a14="http://schemas.microsoft.com/office/drawing/2010/main" val="0"/>
+              </a:ext>
+            </a:extLst>
+          </a:blip>
+          <a:srcRect/>
+          <a:stretch>
+            <a:fillRect/>
+          </a:stretch>
+        </p:blipFill>
+        <p:spPr bwMode="auto">
+          <a:xfrm>
+            <a:off x="107504" y="1916832"/>
+            <a:ext cx="5324475" cy="3990975"/>
+          </a:xfrm>
+          <a:prstGeom prst="rect">
+            <a:avLst/>
+          </a:prstGeom>
+          <a:noFill/>
+          <a:ln>
+            <a:noFill/>
+          </a:ln>
+          <a:effectLst/>
+          <a:extLst>
+            <a:ext uri="{909E8E84-426E-40DD-AFC4-6F175D3DCCD1}">
+              <a14:hiddenFill xmlns:a14="http://schemas.microsoft.com/office/drawing/2010/main">
+                <a:solidFill>
+                  <a:schemeClr val="accent1"/>
+                </a:solidFill>
+              </a14:hiddenFill>
+            </a:ext>
+            <a:ext uri="{91240B29-F687-4F45-9708-019B960494DF}">
+              <a14:hiddenLine xmlns:a14="http://schemas.microsoft.com/office/drawing/2010/main" w="9525">
+                <a:solidFill>
+                  <a:schemeClr val="tx1"/>
+                </a:solidFill>
+                <a:miter lim="800000"/>
+                <a:headEnd/>
+                <a:tailEnd/>
+              </a14:hiddenLine>
+            </a:ext>
+            <a:ext uri="{AF507438-7753-43E0-B8FC-AC1667EBCBE1}">
+              <a14:hiddenEffects xmlns:a14="http://schemas.microsoft.com/office/drawing/2010/main">
+                <a:effectLst>
+                  <a:outerShdw dist="35921" dir="2700000" algn="ctr" rotWithShape="0">
+                    <a:schemeClr val="bg2"/>
+                  </a:outerShdw>
+                </a:effectLst>
+              </a14:hiddenEffects>
+            </a:ext>
+          </a:extLst>
+        </p:spPr>
+      </p:pic>
+      <mc:AlternateContent xmlns:mc="http://schemas.openxmlformats.org/markup-compatibility/2006">
+        <mc:Choice xmlns:a14="http://schemas.microsoft.com/office/drawing/2010/main" Requires="a14">
+          <p:sp>
+            <p:nvSpPr>
+              <p:cNvPr id="15" name="TextBox 14">
+                <a:extLst>
+                  <a:ext uri="{FF2B5EF4-FFF2-40B4-BE49-F238E27FC236}">
+                    <a16:creationId xmlns:a16="http://schemas.microsoft.com/office/drawing/2014/main" id="{5B5D6393-D12C-443B-B3CC-29A17DD882FE}"/>
+                  </a:ext>
+                </a:extLst>
+              </p:cNvPr>
+              <p:cNvSpPr txBox="1"/>
+              <p:nvPr/>
+            </p:nvSpPr>
+            <p:spPr>
+              <a:xfrm>
+                <a:off x="1347680" y="2308230"/>
+                <a:ext cx="793038" cy="369332"/>
+              </a:xfrm>
+              <a:prstGeom prst="rect">
+                <a:avLst/>
+              </a:prstGeom>
+              <a:solidFill>
+                <a:schemeClr val="bg1"/>
+              </a:solidFill>
+              <a:ln>
+                <a:solidFill>
+                  <a:schemeClr val="tx1"/>
+                </a:solidFill>
+              </a:ln>
+            </p:spPr>
+            <p:txBody>
+              <a:bodyPr wrap="none" rtlCol="0">
+                <a:spAutoFit/>
+              </a:bodyPr>
+              <a:lstStyle/>
+              <a:p>
+                <a14:m>
+                  <m:oMathPara xmlns:m="http://schemas.openxmlformats.org/officeDocument/2006/math">
+                    <m:oMathParaPr>
+                      <m:jc m:val="centerGroup"/>
+                    </m:oMathParaPr>
+                    <m:oMath xmlns:m="http://schemas.openxmlformats.org/officeDocument/2006/math">
+                      <m:r>
+                        <a:rPr lang="en-US" altLang="ko-KR" b="0" i="1" smtClean="0">
+                          <a:latin typeface="Cambria Math" panose="02040503050406030204" pitchFamily="18" charset="0"/>
+                        </a:rPr>
+                        <m:t>𝑡</m:t>
+                      </m:r>
+                      <m:r>
+                        <a:rPr lang="en-US" altLang="ko-KR" b="0" i="1" smtClean="0">
+                          <a:latin typeface="Cambria Math" panose="02040503050406030204" pitchFamily="18" charset="0"/>
+                        </a:rPr>
+                        <m:t>=0</m:t>
+                      </m:r>
+                    </m:oMath>
+                  </m:oMathPara>
+                </a14:m>
+                <a:endParaRPr lang="ko-KR" altLang="en-US" dirty="0"/>
+              </a:p>
+            </p:txBody>
+          </p:sp>
+        </mc:Choice>
+        <mc:Fallback>
+          <p:sp>
+            <p:nvSpPr>
+              <p:cNvPr id="15" name="TextBox 14">
+                <a:extLst>
+                  <a:ext uri="{FF2B5EF4-FFF2-40B4-BE49-F238E27FC236}">
+                    <a16:creationId xmlns:a16="http://schemas.microsoft.com/office/drawing/2014/main" id="{5B5D6393-D12C-443B-B3CC-29A17DD882FE}"/>
+                  </a:ext>
+                </a:extLst>
+              </p:cNvPr>
+              <p:cNvSpPr txBox="1">
+                <a:spLocks noRot="1" noChangeAspect="1" noMove="1" noResize="1" noEditPoints="1" noAdjustHandles="1" noChangeArrowheads="1" noChangeShapeType="1" noTextEdit="1"/>
+              </p:cNvSpPr>
+              <p:nvPr/>
+            </p:nvSpPr>
+            <p:spPr>
+              <a:xfrm>
+                <a:off x="1347680" y="2308230"/>
+                <a:ext cx="793038" cy="369332"/>
+              </a:xfrm>
+              <a:prstGeom prst="rect">
+                <a:avLst/>
+              </a:prstGeom>
+              <a:blipFill>
+                <a:blip r:embed="rId5"/>
+                <a:stretch>
+                  <a:fillRect/>
+                </a:stretch>
+              </a:blipFill>
+              <a:ln>
+                <a:solidFill>
+                  <a:schemeClr val="tx1"/>
+                </a:solidFill>
+              </a:ln>
+            </p:spPr>
+            <p:txBody>
+              <a:bodyPr/>
+              <a:lstStyle/>
+              <a:p>
+                <a:r>
+                  <a:rPr lang="ko-KR" altLang="en-US">
+                    <a:noFill/>
+                  </a:rPr>
+                  <a:t> </a:t>
+                </a:r>
+              </a:p>
+            </p:txBody>
+          </p:sp>
+        </mc:Fallback>
+      </mc:AlternateContent>
+    </p:spTree>
+    <p:extLst>
+      <p:ext uri="{BB962C8B-B14F-4D97-AF65-F5344CB8AC3E}">
+        <p14:creationId xmlns:p14="http://schemas.microsoft.com/office/powerpoint/2010/main" val="245062841"/>
       </p:ext>
     </p:extLst>
   </p:cSld>

--- a/pics/2021-05-25-nonhomogeneous_equation/pics.pptx
+++ b/pics/2021-05-25-nonhomogeneous_equation/pics.pptx
@@ -7,8 +7,10 @@
   <p:sldIdLst>
     <p:sldId id="256" r:id="rId2"/>
     <p:sldId id="257" r:id="rId3"/>
-    <p:sldId id="258" r:id="rId4"/>
-    <p:sldId id="259" r:id="rId5"/>
+    <p:sldId id="260" r:id="rId4"/>
+    <p:sldId id="258" r:id="rId5"/>
+    <p:sldId id="259" r:id="rId6"/>
+    <p:sldId id="261" r:id="rId7"/>
   </p:sldIdLst>
   <p:sldSz cx="9144000" cy="6858000" type="screen4x3"/>
   <p:notesSz cx="6858000" cy="9144000"/>
@@ -305,7 +307,7 @@
           <a:p>
             <a:fld id="{FB30EDBD-1C2D-4C1E-B459-B60219FAB484}" type="datetimeFigureOut">
               <a:rPr lang="ko-KR" altLang="en-US" smtClean="0"/>
-              <a:t>2021-07-09</a:t>
+              <a:t>2023-05-10</a:t>
             </a:fld>
             <a:endParaRPr lang="ko-KR" altLang="en-US"/>
           </a:p>
@@ -468,7 +470,7 @@
           <a:p>
             <a:fld id="{FB30EDBD-1C2D-4C1E-B459-B60219FAB484}" type="datetimeFigureOut">
               <a:rPr lang="ko-KR" altLang="en-US" smtClean="0"/>
-              <a:t>2021-07-09</a:t>
+              <a:t>2023-05-10</a:t>
             </a:fld>
             <a:endParaRPr lang="ko-KR" altLang="en-US"/>
           </a:p>
@@ -641,7 +643,7 @@
           <a:p>
             <a:fld id="{FB30EDBD-1C2D-4C1E-B459-B60219FAB484}" type="datetimeFigureOut">
               <a:rPr lang="ko-KR" altLang="en-US" smtClean="0"/>
-              <a:t>2021-07-09</a:t>
+              <a:t>2023-05-10</a:t>
             </a:fld>
             <a:endParaRPr lang="ko-KR" altLang="en-US"/>
           </a:p>
@@ -804,7 +806,7 @@
           <a:p>
             <a:fld id="{FB30EDBD-1C2D-4C1E-B459-B60219FAB484}" type="datetimeFigureOut">
               <a:rPr lang="ko-KR" altLang="en-US" smtClean="0"/>
-              <a:t>2021-07-09</a:t>
+              <a:t>2023-05-10</a:t>
             </a:fld>
             <a:endParaRPr lang="ko-KR" altLang="en-US"/>
           </a:p>
@@ -1044,7 +1046,7 @@
           <a:p>
             <a:fld id="{FB30EDBD-1C2D-4C1E-B459-B60219FAB484}" type="datetimeFigureOut">
               <a:rPr lang="ko-KR" altLang="en-US" smtClean="0"/>
-              <a:t>2021-07-09</a:t>
+              <a:t>2023-05-10</a:t>
             </a:fld>
             <a:endParaRPr lang="ko-KR" altLang="en-US"/>
           </a:p>
@@ -1324,7 +1326,7 @@
           <a:p>
             <a:fld id="{FB30EDBD-1C2D-4C1E-B459-B60219FAB484}" type="datetimeFigureOut">
               <a:rPr lang="ko-KR" altLang="en-US" smtClean="0"/>
-              <a:t>2021-07-09</a:t>
+              <a:t>2023-05-10</a:t>
             </a:fld>
             <a:endParaRPr lang="ko-KR" altLang="en-US"/>
           </a:p>
@@ -1738,7 +1740,7 @@
           <a:p>
             <a:fld id="{FB30EDBD-1C2D-4C1E-B459-B60219FAB484}" type="datetimeFigureOut">
               <a:rPr lang="ko-KR" altLang="en-US" smtClean="0"/>
-              <a:t>2021-07-09</a:t>
+              <a:t>2023-05-10</a:t>
             </a:fld>
             <a:endParaRPr lang="ko-KR" altLang="en-US"/>
           </a:p>
@@ -1850,7 +1852,7 @@
           <a:p>
             <a:fld id="{FB30EDBD-1C2D-4C1E-B459-B60219FAB484}" type="datetimeFigureOut">
               <a:rPr lang="ko-KR" altLang="en-US" smtClean="0"/>
-              <a:t>2021-07-09</a:t>
+              <a:t>2023-05-10</a:t>
             </a:fld>
             <a:endParaRPr lang="ko-KR" altLang="en-US"/>
           </a:p>
@@ -1940,7 +1942,7 @@
           <a:p>
             <a:fld id="{FB30EDBD-1C2D-4C1E-B459-B60219FAB484}" type="datetimeFigureOut">
               <a:rPr lang="ko-KR" altLang="en-US" smtClean="0"/>
-              <a:t>2021-07-09</a:t>
+              <a:t>2023-05-10</a:t>
             </a:fld>
             <a:endParaRPr lang="ko-KR" altLang="en-US"/>
           </a:p>
@@ -2210,7 +2212,7 @@
           <a:p>
             <a:fld id="{FB30EDBD-1C2D-4C1E-B459-B60219FAB484}" type="datetimeFigureOut">
               <a:rPr lang="ko-KR" altLang="en-US" smtClean="0"/>
-              <a:t>2021-07-09</a:t>
+              <a:t>2023-05-10</a:t>
             </a:fld>
             <a:endParaRPr lang="ko-KR" altLang="en-US"/>
           </a:p>
@@ -2457,7 +2459,7 @@
           <a:p>
             <a:fld id="{FB30EDBD-1C2D-4C1E-B459-B60219FAB484}" type="datetimeFigureOut">
               <a:rPr lang="ko-KR" altLang="en-US" smtClean="0"/>
-              <a:t>2021-07-09</a:t>
+              <a:t>2023-05-10</a:t>
             </a:fld>
             <a:endParaRPr lang="ko-KR" altLang="en-US"/>
           </a:p>
@@ -2663,7 +2665,7 @@
           <a:p>
             <a:fld id="{FB30EDBD-1C2D-4C1E-B459-B60219FAB484}" type="datetimeFigureOut">
               <a:rPr lang="ko-KR" altLang="en-US" smtClean="0"/>
-              <a:t>2021-07-09</a:t>
+              <a:t>2023-05-10</a:t>
             </a:fld>
             <a:endParaRPr lang="ko-KR" altLang="en-US"/>
           </a:p>
@@ -3367,6 +3369,220 @@
           <a:chExt cx="0" cy="0"/>
         </a:xfrm>
       </p:grpSpPr>
+      <p:sp>
+        <p:nvSpPr>
+          <p:cNvPr id="6" name="오른쪽 화살표 5"/>
+          <p:cNvSpPr/>
+          <p:nvPr/>
+        </p:nvSpPr>
+        <p:spPr>
+          <a:xfrm>
+            <a:off x="4229726" y="3286330"/>
+            <a:ext cx="576064" cy="285340"/>
+          </a:xfrm>
+          <a:prstGeom prst="rightArrow">
+            <a:avLst/>
+          </a:prstGeom>
+          <a:solidFill>
+            <a:schemeClr val="bg1"/>
+          </a:solidFill>
+          <a:ln>
+            <a:solidFill>
+              <a:srgbClr val="C00000"/>
+            </a:solidFill>
+          </a:ln>
+        </p:spPr>
+        <p:style>
+          <a:lnRef idx="2">
+            <a:schemeClr val="accent1">
+              <a:shade val="50000"/>
+            </a:schemeClr>
+          </a:lnRef>
+          <a:fillRef idx="1">
+            <a:schemeClr val="accent1"/>
+          </a:fillRef>
+          <a:effectRef idx="0">
+            <a:schemeClr val="accent1"/>
+          </a:effectRef>
+          <a:fontRef idx="minor">
+            <a:schemeClr val="lt1"/>
+          </a:fontRef>
+        </p:style>
+        <p:txBody>
+          <a:bodyPr rtlCol="0" anchor="ctr"/>
+          <a:lstStyle/>
+          <a:p>
+            <a:pPr algn="ctr"/>
+            <a:endParaRPr lang="ko-KR" altLang="en-US"/>
+          </a:p>
+        </p:txBody>
+      </p:sp>
+      <p:sp>
+        <p:nvSpPr>
+          <p:cNvPr id="8" name="TextBox 7"/>
+          <p:cNvSpPr txBox="1"/>
+          <p:nvPr/>
+        </p:nvSpPr>
+        <p:spPr>
+          <a:xfrm>
+            <a:off x="3943973" y="2777153"/>
+            <a:ext cx="1212191" cy="507831"/>
+          </a:xfrm>
+          <a:prstGeom prst="rect">
+            <a:avLst/>
+          </a:prstGeom>
+          <a:noFill/>
+        </p:spPr>
+        <p:txBody>
+          <a:bodyPr wrap="none" rtlCol="0">
+            <a:spAutoFit/>
+          </a:bodyPr>
+          <a:lstStyle/>
+          <a:p>
+            <a:pPr algn="ctr"/>
+            <a:r>
+              <a:rPr lang="en-US" altLang="ko-KR" sz="900" dirty="0"/>
+              <a:t>changing slope</a:t>
+            </a:r>
+          </a:p>
+          <a:p>
+            <a:pPr algn="ctr"/>
+            <a:r>
+              <a:rPr lang="en-US" altLang="ko-KR" sz="900" dirty="0"/>
+              <a:t>according to</a:t>
+            </a:r>
+          </a:p>
+          <a:p>
+            <a:pPr algn="ctr"/>
+            <a:r>
+              <a:rPr lang="en-US" altLang="ko-KR" sz="900" dirty="0"/>
+              <a:t>corresponding time</a:t>
+            </a:r>
+            <a:endParaRPr lang="ko-KR" altLang="en-US" sz="900" dirty="0"/>
+          </a:p>
+        </p:txBody>
+      </p:sp>
+      <p:pic>
+        <p:nvPicPr>
+          <p:cNvPr id="14" name="Picture 6"/>
+          <p:cNvPicPr>
+            <a:picLocks noChangeAspect="1" noChangeArrowheads="1"/>
+          </p:cNvPicPr>
+          <p:nvPr/>
+        </p:nvPicPr>
+        <p:blipFill rotWithShape="1">
+          <a:blip r:embed="rId2">
+            <a:extLst>
+              <a:ext uri="{28A0092B-C50C-407E-A947-70E740481C1C}">
+                <a14:useLocalDpi xmlns:a14="http://schemas.microsoft.com/office/drawing/2010/main" val="0"/>
+              </a:ext>
+            </a:extLst>
+          </a:blip>
+          <a:srcRect l="52785" r="6128"/>
+          <a:stretch/>
+        </p:blipFill>
+        <p:spPr bwMode="auto">
+          <a:xfrm>
+            <a:off x="4921043" y="1599126"/>
+            <a:ext cx="4203335" cy="3659748"/>
+          </a:xfrm>
+          <a:prstGeom prst="rect">
+            <a:avLst/>
+          </a:prstGeom>
+          <a:noFill/>
+          <a:ln>
+            <a:noFill/>
+          </a:ln>
+          <a:effectLst/>
+          <a:extLst>
+            <a:ext uri="{909E8E84-426E-40DD-AFC4-6F175D3DCCD1}">
+              <a14:hiddenFill xmlns:a14="http://schemas.microsoft.com/office/drawing/2010/main">
+                <a:solidFill>
+                  <a:schemeClr val="accent1"/>
+                </a:solidFill>
+              </a14:hiddenFill>
+            </a:ext>
+            <a:ext uri="{91240B29-F687-4F45-9708-019B960494DF}">
+              <a14:hiddenLine xmlns:a14="http://schemas.microsoft.com/office/drawing/2010/main" w="9525">
+                <a:solidFill>
+                  <a:schemeClr val="tx1"/>
+                </a:solidFill>
+                <a:miter lim="800000"/>
+                <a:headEnd/>
+                <a:tailEnd/>
+              </a14:hiddenLine>
+            </a:ext>
+            <a:ext uri="{AF507438-7753-43E0-B8FC-AC1667EBCBE1}">
+              <a14:hiddenEffects xmlns:a14="http://schemas.microsoft.com/office/drawing/2010/main">
+                <a:effectLst>
+                  <a:outerShdw dist="35921" dir="2700000" algn="ctr" rotWithShape="0">
+                    <a:schemeClr val="bg2"/>
+                  </a:outerShdw>
+                </a:effectLst>
+              </a14:hiddenEffects>
+            </a:ext>
+          </a:extLst>
+        </p:spPr>
+      </p:pic>
+      <p:pic>
+        <p:nvPicPr>
+          <p:cNvPr id="3" name="Picture 2">
+            <a:extLst>
+              <a:ext uri="{FF2B5EF4-FFF2-40B4-BE49-F238E27FC236}">
+                <a16:creationId xmlns:a16="http://schemas.microsoft.com/office/drawing/2014/main" id="{479B31E1-AA26-6E45-0E4C-F6E71D389028}"/>
+              </a:ext>
+            </a:extLst>
+          </p:cNvPr>
+          <p:cNvPicPr>
+            <a:picLocks noChangeAspect="1"/>
+          </p:cNvPicPr>
+          <p:nvPr/>
+        </p:nvPicPr>
+        <p:blipFill rotWithShape="1">
+          <a:blip r:embed="rId3"/>
+          <a:srcRect l="9658" r="50787"/>
+          <a:stretch/>
+        </p:blipFill>
+        <p:spPr>
+          <a:xfrm>
+            <a:off x="167347" y="1583991"/>
+            <a:ext cx="4062685" cy="3679171"/>
+          </a:xfrm>
+          <a:prstGeom prst="rect">
+            <a:avLst/>
+          </a:prstGeom>
+        </p:spPr>
+      </p:pic>
+    </p:spTree>
+    <p:extLst>
+      <p:ext uri="{BB962C8B-B14F-4D97-AF65-F5344CB8AC3E}">
+        <p14:creationId xmlns:p14="http://schemas.microsoft.com/office/powerpoint/2010/main" val="172796101"/>
+      </p:ext>
+    </p:extLst>
+  </p:cSld>
+  <p:clrMapOvr>
+    <a:masterClrMapping/>
+  </p:clrMapOvr>
+</p:sld>
+</file>
+
+<file path=ppt/slides/slide4.xml><?xml version="1.0" encoding="utf-8"?>
+<p:sld xmlns:a="http://schemas.openxmlformats.org/drawingml/2006/main" xmlns:r="http://schemas.openxmlformats.org/officeDocument/2006/relationships" xmlns:p="http://schemas.openxmlformats.org/presentationml/2006/main">
+  <p:cSld>
+    <p:spTree>
+      <p:nvGrpSpPr>
+        <p:cNvPr id="1" name=""/>
+        <p:cNvGrpSpPr/>
+        <p:nvPr/>
+      </p:nvGrpSpPr>
+      <p:grpSpPr>
+        <a:xfrm>
+          <a:off x="0" y="0"/>
+          <a:ext cx="0" cy="0"/>
+          <a:chOff x="0" y="0"/>
+          <a:chExt cx="0" cy="0"/>
+        </a:xfrm>
+      </p:grpSpPr>
       <p:pic>
         <p:nvPicPr>
           <p:cNvPr id="2050" name="Picture 2"/>
@@ -3444,7 +3660,7 @@
 </p:sld>
 </file>
 
-<file path=ppt/slides/slide4.xml><?xml version="1.0" encoding="utf-8"?>
+<file path=ppt/slides/slide5.xml><?xml version="1.0" encoding="utf-8"?>
 <p:sld xmlns:a="http://schemas.openxmlformats.org/drawingml/2006/main" xmlns:r="http://schemas.openxmlformats.org/officeDocument/2006/relationships" xmlns:p="http://schemas.openxmlformats.org/presentationml/2006/main">
   <p:cSld>
     <p:spTree>
@@ -3766,8 +3982,8 @@
           </a:p>
         </p:txBody>
       </p:sp>
-      <mc:AlternateContent xmlns:mc="http://schemas.openxmlformats.org/markup-compatibility/2006">
-        <mc:Choice xmlns:a14="http://schemas.microsoft.com/office/drawing/2010/main" Requires="a14">
+      <mc:AlternateContent xmlns:mc="http://schemas.openxmlformats.org/markup-compatibility/2006" xmlns:a14="http://schemas.microsoft.com/office/drawing/2010/main">
+        <mc:Choice Requires="a14">
           <p:sp>
             <p:nvSpPr>
               <p:cNvPr id="16" name="TextBox 15">
@@ -3803,6 +4019,7 @@
               </a:bodyPr>
               <a:lstStyle/>
               <a:p>
+                <a:pPr/>
                 <a14:m>
                   <m:oMathPara xmlns:m="http://schemas.openxmlformats.org/officeDocument/2006/math">
                     <m:oMathParaPr>
@@ -3829,7 +4046,7 @@
             </p:txBody>
           </p:sp>
         </mc:Choice>
-        <mc:Fallback>
+        <mc:Fallback xmlns="">
           <p:sp>
             <p:nvSpPr>
               <p:cNvPr id="16" name="TextBox 15">
@@ -3879,8 +4096,8 @@
           </p:sp>
         </mc:Fallback>
       </mc:AlternateContent>
-      <mc:AlternateContent xmlns:mc="http://schemas.openxmlformats.org/markup-compatibility/2006">
-        <mc:Choice xmlns:a14="http://schemas.microsoft.com/office/drawing/2010/main" Requires="a14">
+      <mc:AlternateContent xmlns:mc="http://schemas.openxmlformats.org/markup-compatibility/2006" xmlns:a14="http://schemas.microsoft.com/office/drawing/2010/main">
+        <mc:Choice Requires="a14">
           <p:sp>
             <p:nvSpPr>
               <p:cNvPr id="17" name="TextBox 16">
@@ -3916,6 +4133,7 @@
               </a:bodyPr>
               <a:lstStyle/>
               <a:p>
+                <a:pPr/>
                 <a14:m>
                   <m:oMathPara xmlns:m="http://schemas.openxmlformats.org/officeDocument/2006/math">
                     <m:oMathParaPr>
@@ -3942,7 +4160,7 @@
             </p:txBody>
           </p:sp>
         </mc:Choice>
-        <mc:Fallback>
+        <mc:Fallback xmlns="">
           <p:sp>
             <p:nvSpPr>
               <p:cNvPr id="17" name="TextBox 16">
@@ -4062,8 +4280,8 @@
           </a:extLst>
         </p:spPr>
       </p:pic>
-      <mc:AlternateContent xmlns:mc="http://schemas.openxmlformats.org/markup-compatibility/2006">
-        <mc:Choice xmlns:a14="http://schemas.microsoft.com/office/drawing/2010/main" Requires="a14">
+      <mc:AlternateContent xmlns:mc="http://schemas.openxmlformats.org/markup-compatibility/2006" xmlns:a14="http://schemas.microsoft.com/office/drawing/2010/main">
+        <mc:Choice Requires="a14">
           <p:sp>
             <p:nvSpPr>
               <p:cNvPr id="15" name="TextBox 14">
@@ -4099,6 +4317,7 @@
               </a:bodyPr>
               <a:lstStyle/>
               <a:p>
+                <a:pPr/>
                 <a14:m>
                   <m:oMathPara xmlns:m="http://schemas.openxmlformats.org/officeDocument/2006/math">
                     <m:oMathParaPr>
@@ -4125,7 +4344,7 @@
             </p:txBody>
           </p:sp>
         </mc:Choice>
-        <mc:Fallback>
+        <mc:Fallback xmlns="">
           <p:sp>
             <p:nvSpPr>
               <p:cNvPr id="15" name="TextBox 14">
@@ -4179,6 +4398,754 @@
     <p:extLst>
       <p:ext uri="{BB962C8B-B14F-4D97-AF65-F5344CB8AC3E}">
         <p14:creationId xmlns:p14="http://schemas.microsoft.com/office/powerpoint/2010/main" val="245062841"/>
+      </p:ext>
+    </p:extLst>
+  </p:cSld>
+  <p:clrMapOvr>
+    <a:masterClrMapping/>
+  </p:clrMapOvr>
+</p:sld>
+</file>
+
+<file path=ppt/slides/slide6.xml><?xml version="1.0" encoding="utf-8"?>
+<p:sld xmlns:a="http://schemas.openxmlformats.org/drawingml/2006/main" xmlns:r="http://schemas.openxmlformats.org/officeDocument/2006/relationships" xmlns:p="http://schemas.openxmlformats.org/presentationml/2006/main">
+  <p:cSld>
+    <p:spTree>
+      <p:nvGrpSpPr>
+        <p:cNvPr id="1" name=""/>
+        <p:cNvGrpSpPr/>
+        <p:nvPr/>
+      </p:nvGrpSpPr>
+      <p:grpSpPr>
+        <a:xfrm>
+          <a:off x="0" y="0"/>
+          <a:ext cx="0" cy="0"/>
+          <a:chOff x="0" y="0"/>
+          <a:chExt cx="0" cy="0"/>
+        </a:xfrm>
+      </p:grpSpPr>
+      <p:pic>
+        <p:nvPicPr>
+          <p:cNvPr id="6" name="Picture 2">
+            <a:extLst>
+              <a:ext uri="{FF2B5EF4-FFF2-40B4-BE49-F238E27FC236}">
+                <a16:creationId xmlns:a16="http://schemas.microsoft.com/office/drawing/2014/main" id="{41E42B02-90CD-448F-BAD7-974D945BABA4}"/>
+              </a:ext>
+            </a:extLst>
+          </p:cNvPr>
+          <p:cNvPicPr>
+            <a:picLocks noChangeAspect="1" noChangeArrowheads="1"/>
+          </p:cNvPicPr>
+          <p:nvPr/>
+        </p:nvPicPr>
+        <p:blipFill>
+          <a:blip r:embed="rId2">
+            <a:extLst>
+              <a:ext uri="{28A0092B-C50C-407E-A947-70E740481C1C}">
+                <a14:useLocalDpi xmlns:a14="http://schemas.microsoft.com/office/drawing/2010/main" val="0"/>
+              </a:ext>
+            </a:extLst>
+          </a:blip>
+          <a:srcRect/>
+          <a:stretch>
+            <a:fillRect/>
+          </a:stretch>
+        </p:blipFill>
+        <p:spPr bwMode="auto">
+          <a:xfrm>
+            <a:off x="3778180" y="476672"/>
+            <a:ext cx="5324475" cy="3990975"/>
+          </a:xfrm>
+          <a:prstGeom prst="rect">
+            <a:avLst/>
+          </a:prstGeom>
+          <a:noFill/>
+          <a:ln>
+            <a:noFill/>
+          </a:ln>
+          <a:effectLst/>
+          <a:extLst>
+            <a:ext uri="{909E8E84-426E-40DD-AFC4-6F175D3DCCD1}">
+              <a14:hiddenFill xmlns:a14="http://schemas.microsoft.com/office/drawing/2010/main">
+                <a:solidFill>
+                  <a:schemeClr val="accent1"/>
+                </a:solidFill>
+              </a14:hiddenFill>
+            </a:ext>
+            <a:ext uri="{91240B29-F687-4F45-9708-019B960494DF}">
+              <a14:hiddenLine xmlns:a14="http://schemas.microsoft.com/office/drawing/2010/main" w="9525">
+                <a:solidFill>
+                  <a:schemeClr val="tx1"/>
+                </a:solidFill>
+                <a:miter lim="800000"/>
+                <a:headEnd/>
+                <a:tailEnd/>
+              </a14:hiddenLine>
+            </a:ext>
+            <a:ext uri="{AF507438-7753-43E0-B8FC-AC1667EBCBE1}">
+              <a14:hiddenEffects xmlns:a14="http://schemas.microsoft.com/office/drawing/2010/main">
+                <a:effectLst>
+                  <a:outerShdw dist="35921" dir="2700000" algn="ctr" rotWithShape="0">
+                    <a:schemeClr val="bg2"/>
+                  </a:outerShdw>
+                </a:effectLst>
+              </a14:hiddenEffects>
+            </a:ext>
+          </a:extLst>
+        </p:spPr>
+      </p:pic>
+      <p:pic>
+        <p:nvPicPr>
+          <p:cNvPr id="5" name="Picture 2">
+            <a:extLst>
+              <a:ext uri="{FF2B5EF4-FFF2-40B4-BE49-F238E27FC236}">
+                <a16:creationId xmlns:a16="http://schemas.microsoft.com/office/drawing/2014/main" id="{613A140A-7A4B-4145-ABA0-A3315E7C7A2B}"/>
+              </a:ext>
+            </a:extLst>
+          </p:cNvPr>
+          <p:cNvPicPr>
+            <a:picLocks noChangeAspect="1" noChangeArrowheads="1"/>
+          </p:cNvPicPr>
+          <p:nvPr/>
+        </p:nvPicPr>
+        <p:blipFill>
+          <a:blip r:embed="rId2">
+            <a:extLst>
+              <a:ext uri="{28A0092B-C50C-407E-A947-70E740481C1C}">
+                <a14:useLocalDpi xmlns:a14="http://schemas.microsoft.com/office/drawing/2010/main" val="0"/>
+              </a:ext>
+            </a:extLst>
+          </a:blip>
+          <a:srcRect/>
+          <a:stretch>
+            <a:fillRect/>
+          </a:stretch>
+        </p:blipFill>
+        <p:spPr bwMode="auto">
+          <a:xfrm>
+            <a:off x="1259632" y="1484784"/>
+            <a:ext cx="5324475" cy="3990975"/>
+          </a:xfrm>
+          <a:prstGeom prst="rect">
+            <a:avLst/>
+          </a:prstGeom>
+          <a:noFill/>
+          <a:ln>
+            <a:noFill/>
+          </a:ln>
+          <a:effectLst/>
+          <a:extLst>
+            <a:ext uri="{909E8E84-426E-40DD-AFC4-6F175D3DCCD1}">
+              <a14:hiddenFill xmlns:a14="http://schemas.microsoft.com/office/drawing/2010/main">
+                <a:solidFill>
+                  <a:schemeClr val="accent1"/>
+                </a:solidFill>
+              </a14:hiddenFill>
+            </a:ext>
+            <a:ext uri="{91240B29-F687-4F45-9708-019B960494DF}">
+              <a14:hiddenLine xmlns:a14="http://schemas.microsoft.com/office/drawing/2010/main" w="9525">
+                <a:solidFill>
+                  <a:schemeClr val="tx1"/>
+                </a:solidFill>
+                <a:miter lim="800000"/>
+                <a:headEnd/>
+                <a:tailEnd/>
+              </a14:hiddenLine>
+            </a:ext>
+            <a:ext uri="{AF507438-7753-43E0-B8FC-AC1667EBCBE1}">
+              <a14:hiddenEffects xmlns:a14="http://schemas.microsoft.com/office/drawing/2010/main">
+                <a:effectLst>
+                  <a:outerShdw dist="35921" dir="2700000" algn="ctr" rotWithShape="0">
+                    <a:schemeClr val="bg2"/>
+                  </a:outerShdw>
+                </a:effectLst>
+              </a14:hiddenEffects>
+            </a:ext>
+          </a:extLst>
+        </p:spPr>
+      </p:pic>
+      <p:cxnSp>
+        <p:nvCxnSpPr>
+          <p:cNvPr id="8" name="직선 연결선 7">
+            <a:extLst>
+              <a:ext uri="{FF2B5EF4-FFF2-40B4-BE49-F238E27FC236}">
+                <a16:creationId xmlns:a16="http://schemas.microsoft.com/office/drawing/2014/main" id="{33BF0702-91CC-4201-A57E-1A5BCBAC6020}"/>
+              </a:ext>
+            </a:extLst>
+          </p:cNvPr>
+          <p:cNvCxnSpPr>
+            <a:cxnSpLocks/>
+          </p:cNvCxnSpPr>
+          <p:nvPr/>
+        </p:nvCxnSpPr>
+        <p:spPr>
+          <a:xfrm flipV="1">
+            <a:off x="1259632" y="764704"/>
+            <a:ext cx="3672408" cy="1440160"/>
+          </a:xfrm>
+          <a:prstGeom prst="line">
+            <a:avLst/>
+          </a:prstGeom>
+          <a:ln>
+            <a:solidFill>
+              <a:schemeClr val="tx1"/>
+            </a:solidFill>
+            <a:prstDash val="dash"/>
+          </a:ln>
+        </p:spPr>
+        <p:style>
+          <a:lnRef idx="1">
+            <a:schemeClr val="accent1"/>
+          </a:lnRef>
+          <a:fillRef idx="0">
+            <a:schemeClr val="accent1"/>
+          </a:fillRef>
+          <a:effectRef idx="0">
+            <a:schemeClr val="accent1"/>
+          </a:effectRef>
+          <a:fontRef idx="minor">
+            <a:schemeClr val="tx1"/>
+          </a:fontRef>
+        </p:style>
+      </p:cxnSp>
+      <p:cxnSp>
+        <p:nvCxnSpPr>
+          <p:cNvPr id="11" name="직선 연결선 10">
+            <a:extLst>
+              <a:ext uri="{FF2B5EF4-FFF2-40B4-BE49-F238E27FC236}">
+                <a16:creationId xmlns:a16="http://schemas.microsoft.com/office/drawing/2014/main" id="{5381C86B-938A-4E59-A67D-6D092F2B9E22}"/>
+              </a:ext>
+            </a:extLst>
+          </p:cNvPr>
+          <p:cNvCxnSpPr>
+            <a:cxnSpLocks/>
+          </p:cNvCxnSpPr>
+          <p:nvPr/>
+        </p:nvCxnSpPr>
+        <p:spPr>
+          <a:xfrm flipV="1">
+            <a:off x="4499992" y="4035599"/>
+            <a:ext cx="3672408" cy="1440160"/>
+          </a:xfrm>
+          <a:prstGeom prst="line">
+            <a:avLst/>
+          </a:prstGeom>
+          <a:ln>
+            <a:solidFill>
+              <a:schemeClr val="tx1"/>
+            </a:solidFill>
+            <a:prstDash val="dash"/>
+          </a:ln>
+        </p:spPr>
+        <p:style>
+          <a:lnRef idx="1">
+            <a:schemeClr val="accent1"/>
+          </a:lnRef>
+          <a:fillRef idx="0">
+            <a:schemeClr val="accent1"/>
+          </a:fillRef>
+          <a:effectRef idx="0">
+            <a:schemeClr val="accent1"/>
+          </a:effectRef>
+          <a:fontRef idx="minor">
+            <a:schemeClr val="tx1"/>
+          </a:fontRef>
+        </p:style>
+      </p:cxnSp>
+      <p:cxnSp>
+        <p:nvCxnSpPr>
+          <p:cNvPr id="13" name="직선 화살표 연결선 12">
+            <a:extLst>
+              <a:ext uri="{FF2B5EF4-FFF2-40B4-BE49-F238E27FC236}">
+                <a16:creationId xmlns:a16="http://schemas.microsoft.com/office/drawing/2014/main" id="{7B8BF2BA-D8CB-414E-A424-90028F6A2DEC}"/>
+              </a:ext>
+            </a:extLst>
+          </p:cNvPr>
+          <p:cNvCxnSpPr/>
+          <p:nvPr/>
+        </p:nvCxnSpPr>
+        <p:spPr>
+          <a:xfrm flipV="1">
+            <a:off x="1043608" y="620688"/>
+            <a:ext cx="3672408" cy="1440160"/>
+          </a:xfrm>
+          <a:prstGeom prst="straightConnector1">
+            <a:avLst/>
+          </a:prstGeom>
+          <a:ln w="19050">
+            <a:solidFill>
+              <a:schemeClr val="tx1"/>
+            </a:solidFill>
+            <a:tailEnd type="triangle"/>
+          </a:ln>
+        </p:spPr>
+        <p:style>
+          <a:lnRef idx="1">
+            <a:schemeClr val="accent1"/>
+          </a:lnRef>
+          <a:fillRef idx="0">
+            <a:schemeClr val="accent1"/>
+          </a:fillRef>
+          <a:effectRef idx="0">
+            <a:schemeClr val="accent1"/>
+          </a:effectRef>
+          <a:fontRef idx="minor">
+            <a:schemeClr val="tx1"/>
+          </a:fontRef>
+        </p:style>
+      </p:cxnSp>
+      <p:sp>
+        <p:nvSpPr>
+          <p:cNvPr id="14" name="TextBox 13">
+            <a:extLst>
+              <a:ext uri="{FF2B5EF4-FFF2-40B4-BE49-F238E27FC236}">
+                <a16:creationId xmlns:a16="http://schemas.microsoft.com/office/drawing/2014/main" id="{57741C98-C416-4DC3-825E-043C25CB680D}"/>
+              </a:ext>
+            </a:extLst>
+          </p:cNvPr>
+          <p:cNvSpPr txBox="1"/>
+          <p:nvPr/>
+        </p:nvSpPr>
+        <p:spPr>
+          <a:xfrm rot="20319788">
+            <a:off x="1976966" y="1011966"/>
+            <a:ext cx="1456168" cy="369332"/>
+          </a:xfrm>
+          <a:prstGeom prst="rect">
+            <a:avLst/>
+          </a:prstGeom>
+          <a:noFill/>
+        </p:spPr>
+        <p:txBody>
+          <a:bodyPr wrap="none" rtlCol="0">
+            <a:spAutoFit/>
+          </a:bodyPr>
+          <a:lstStyle/>
+          <a:p>
+            <a:r>
+              <a:rPr lang="en-US" altLang="ko-KR" dirty="0"/>
+              <a:t>flow of time</a:t>
+            </a:r>
+            <a:endParaRPr lang="ko-KR" altLang="en-US" dirty="0"/>
+          </a:p>
+        </p:txBody>
+      </p:sp>
+      <mc:AlternateContent xmlns:mc="http://schemas.openxmlformats.org/markup-compatibility/2006" xmlns:a14="http://schemas.microsoft.com/office/drawing/2010/main">
+        <mc:Choice Requires="a14">
+          <p:sp>
+            <p:nvSpPr>
+              <p:cNvPr id="16" name="TextBox 15">
+                <a:extLst>
+                  <a:ext uri="{FF2B5EF4-FFF2-40B4-BE49-F238E27FC236}">
+                    <a16:creationId xmlns:a16="http://schemas.microsoft.com/office/drawing/2014/main" id="{7D0B4A22-080C-4E0F-9DDB-F92E04851910}"/>
+                  </a:ext>
+                </a:extLst>
+              </p:cNvPr>
+              <p:cNvSpPr txBox="1"/>
+              <p:nvPr/>
+            </p:nvSpPr>
+            <p:spPr>
+              <a:xfrm>
+                <a:off x="2466138" y="1863874"/>
+                <a:ext cx="969368" cy="369332"/>
+              </a:xfrm>
+              <a:prstGeom prst="rect">
+                <a:avLst/>
+              </a:prstGeom>
+              <a:solidFill>
+                <a:schemeClr val="bg1"/>
+              </a:solidFill>
+              <a:ln>
+                <a:solidFill>
+                  <a:schemeClr val="tx1"/>
+                </a:solidFill>
+              </a:ln>
+            </p:spPr>
+            <p:txBody>
+              <a:bodyPr wrap="none" rtlCol="0">
+                <a:spAutoFit/>
+              </a:bodyPr>
+              <a:lstStyle/>
+              <a:p>
+                <a:pPr/>
+                <a14:m>
+                  <m:oMathPara xmlns:m="http://schemas.openxmlformats.org/officeDocument/2006/math">
+                    <m:oMathParaPr>
+                      <m:jc m:val="centerGroup"/>
+                    </m:oMathParaPr>
+                    <m:oMath xmlns:m="http://schemas.openxmlformats.org/officeDocument/2006/math">
+                      <m:r>
+                        <a:rPr lang="en-US" altLang="ko-KR" b="0" i="1" smtClean="0">
+                          <a:latin typeface="Cambria Math" panose="02040503050406030204" pitchFamily="18" charset="0"/>
+                        </a:rPr>
+                        <m:t>𝑡</m:t>
+                      </m:r>
+                      <m:r>
+                        <a:rPr lang="en-US" altLang="ko-KR" b="0" i="1" smtClean="0">
+                          <a:latin typeface="Cambria Math" panose="02040503050406030204" pitchFamily="18" charset="0"/>
+                        </a:rPr>
+                        <m:t>=0.1</m:t>
+                      </m:r>
+                    </m:oMath>
+                  </m:oMathPara>
+                </a14:m>
+                <a:endParaRPr lang="ko-KR" altLang="en-US" dirty="0"/>
+              </a:p>
+            </p:txBody>
+          </p:sp>
+        </mc:Choice>
+        <mc:Fallback xmlns="">
+          <p:sp>
+            <p:nvSpPr>
+              <p:cNvPr id="16" name="TextBox 15">
+                <a:extLst>
+                  <a:ext uri="{FF2B5EF4-FFF2-40B4-BE49-F238E27FC236}">
+                    <a16:creationId xmlns:a16="http://schemas.microsoft.com/office/drawing/2014/main" id="{7D0B4A22-080C-4E0F-9DDB-F92E04851910}"/>
+                  </a:ext>
+                </a:extLst>
+              </p:cNvPr>
+              <p:cNvSpPr txBox="1">
+                <a:spLocks noRot="1" noChangeAspect="1" noMove="1" noResize="1" noEditPoints="1" noAdjustHandles="1" noChangeArrowheads="1" noChangeShapeType="1" noTextEdit="1"/>
+              </p:cNvSpPr>
+              <p:nvPr/>
+            </p:nvSpPr>
+            <p:spPr>
+              <a:xfrm>
+                <a:off x="2466138" y="1863874"/>
+                <a:ext cx="969368" cy="369332"/>
+              </a:xfrm>
+              <a:prstGeom prst="rect">
+                <a:avLst/>
+              </a:prstGeom>
+              <a:blipFill>
+                <a:blip r:embed="rId3"/>
+                <a:stretch>
+                  <a:fillRect/>
+                </a:stretch>
+              </a:blipFill>
+              <a:ln>
+                <a:solidFill>
+                  <a:schemeClr val="tx1"/>
+                </a:solidFill>
+              </a:ln>
+            </p:spPr>
+            <p:txBody>
+              <a:bodyPr/>
+              <a:lstStyle/>
+              <a:p>
+                <a:r>
+                  <a:rPr lang="ko-KR" altLang="en-US">
+                    <a:noFill/>
+                  </a:rPr>
+                  <a:t> </a:t>
+                </a:r>
+              </a:p>
+            </p:txBody>
+          </p:sp>
+        </mc:Fallback>
+      </mc:AlternateContent>
+      <mc:AlternateContent xmlns:mc="http://schemas.openxmlformats.org/markup-compatibility/2006" xmlns:a14="http://schemas.microsoft.com/office/drawing/2010/main">
+        <mc:Choice Requires="a14">
+          <p:sp>
+            <p:nvSpPr>
+              <p:cNvPr id="17" name="TextBox 16">
+                <a:extLst>
+                  <a:ext uri="{FF2B5EF4-FFF2-40B4-BE49-F238E27FC236}">
+                    <a16:creationId xmlns:a16="http://schemas.microsoft.com/office/drawing/2014/main" id="{709C3954-90EA-41ED-B4E8-1368ED18F756}"/>
+                  </a:ext>
+                </a:extLst>
+              </p:cNvPr>
+              <p:cNvSpPr txBox="1"/>
+              <p:nvPr/>
+            </p:nvSpPr>
+            <p:spPr>
+              <a:xfrm>
+                <a:off x="4993743" y="868070"/>
+                <a:ext cx="969368" cy="369332"/>
+              </a:xfrm>
+              <a:prstGeom prst="rect">
+                <a:avLst/>
+              </a:prstGeom>
+              <a:solidFill>
+                <a:schemeClr val="bg1"/>
+              </a:solidFill>
+              <a:ln>
+                <a:solidFill>
+                  <a:schemeClr val="tx1"/>
+                </a:solidFill>
+              </a:ln>
+            </p:spPr>
+            <p:txBody>
+              <a:bodyPr wrap="none" rtlCol="0">
+                <a:spAutoFit/>
+              </a:bodyPr>
+              <a:lstStyle/>
+              <a:p>
+                <a:pPr/>
+                <a14:m>
+                  <m:oMathPara xmlns:m="http://schemas.openxmlformats.org/officeDocument/2006/math">
+                    <m:oMathParaPr>
+                      <m:jc m:val="centerGroup"/>
+                    </m:oMathParaPr>
+                    <m:oMath xmlns:m="http://schemas.openxmlformats.org/officeDocument/2006/math">
+                      <m:r>
+                        <a:rPr lang="en-US" altLang="ko-KR" b="0" i="1" smtClean="0">
+                          <a:latin typeface="Cambria Math" panose="02040503050406030204" pitchFamily="18" charset="0"/>
+                        </a:rPr>
+                        <m:t>𝑡</m:t>
+                      </m:r>
+                      <m:r>
+                        <a:rPr lang="en-US" altLang="ko-KR" b="0" i="1" smtClean="0">
+                          <a:latin typeface="Cambria Math" panose="02040503050406030204" pitchFamily="18" charset="0"/>
+                        </a:rPr>
+                        <m:t>=1.5</m:t>
+                      </m:r>
+                    </m:oMath>
+                  </m:oMathPara>
+                </a14:m>
+                <a:endParaRPr lang="ko-KR" altLang="en-US" dirty="0"/>
+              </a:p>
+            </p:txBody>
+          </p:sp>
+        </mc:Choice>
+        <mc:Fallback xmlns="">
+          <p:sp>
+            <p:nvSpPr>
+              <p:cNvPr id="17" name="TextBox 16">
+                <a:extLst>
+                  <a:ext uri="{FF2B5EF4-FFF2-40B4-BE49-F238E27FC236}">
+                    <a16:creationId xmlns:a16="http://schemas.microsoft.com/office/drawing/2014/main" id="{709C3954-90EA-41ED-B4E8-1368ED18F756}"/>
+                  </a:ext>
+                </a:extLst>
+              </p:cNvPr>
+              <p:cNvSpPr txBox="1">
+                <a:spLocks noRot="1" noChangeAspect="1" noMove="1" noResize="1" noEditPoints="1" noAdjustHandles="1" noChangeArrowheads="1" noChangeShapeType="1" noTextEdit="1"/>
+              </p:cNvSpPr>
+              <p:nvPr/>
+            </p:nvSpPr>
+            <p:spPr>
+              <a:xfrm>
+                <a:off x="4993743" y="868070"/>
+                <a:ext cx="969368" cy="369332"/>
+              </a:xfrm>
+              <a:prstGeom prst="rect">
+                <a:avLst/>
+              </a:prstGeom>
+              <a:blipFill>
+                <a:blip r:embed="rId4"/>
+                <a:stretch>
+                  <a:fillRect/>
+                </a:stretch>
+              </a:blipFill>
+              <a:ln>
+                <a:solidFill>
+                  <a:schemeClr val="tx1"/>
+                </a:solidFill>
+              </a:ln>
+            </p:spPr>
+            <p:txBody>
+              <a:bodyPr/>
+              <a:lstStyle/>
+              <a:p>
+                <a:r>
+                  <a:rPr lang="ko-KR" altLang="en-US">
+                    <a:noFill/>
+                  </a:rPr>
+                  <a:t> </a:t>
+                </a:r>
+              </a:p>
+            </p:txBody>
+          </p:sp>
+        </mc:Fallback>
+      </mc:AlternateContent>
+      <p:pic>
+        <p:nvPicPr>
+          <p:cNvPr id="4" name="Picture 2">
+            <a:extLst>
+              <a:ext uri="{FF2B5EF4-FFF2-40B4-BE49-F238E27FC236}">
+                <a16:creationId xmlns:a16="http://schemas.microsoft.com/office/drawing/2014/main" id="{93851CED-9519-4ECA-B937-ACCB47D25CBF}"/>
+              </a:ext>
+            </a:extLst>
+          </p:cNvPr>
+          <p:cNvPicPr>
+            <a:picLocks noChangeAspect="1" noChangeArrowheads="1"/>
+          </p:cNvPicPr>
+          <p:nvPr/>
+        </p:nvPicPr>
+        <p:blipFill>
+          <a:blip r:embed="rId2">
+            <a:extLst>
+              <a:ext uri="{28A0092B-C50C-407E-A947-70E740481C1C}">
+                <a14:useLocalDpi xmlns:a14="http://schemas.microsoft.com/office/drawing/2010/main" val="0"/>
+              </a:ext>
+            </a:extLst>
+          </a:blip>
+          <a:srcRect/>
+          <a:stretch>
+            <a:fillRect/>
+          </a:stretch>
+        </p:blipFill>
+        <p:spPr bwMode="auto">
+          <a:xfrm>
+            <a:off x="107504" y="1916832"/>
+            <a:ext cx="5324475" cy="3990975"/>
+          </a:xfrm>
+          <a:prstGeom prst="rect">
+            <a:avLst/>
+          </a:prstGeom>
+          <a:noFill/>
+          <a:ln>
+            <a:noFill/>
+          </a:ln>
+          <a:effectLst/>
+          <a:extLst>
+            <a:ext uri="{909E8E84-426E-40DD-AFC4-6F175D3DCCD1}">
+              <a14:hiddenFill xmlns:a14="http://schemas.microsoft.com/office/drawing/2010/main">
+                <a:solidFill>
+                  <a:schemeClr val="accent1"/>
+                </a:solidFill>
+              </a14:hiddenFill>
+            </a:ext>
+            <a:ext uri="{91240B29-F687-4F45-9708-019B960494DF}">
+              <a14:hiddenLine xmlns:a14="http://schemas.microsoft.com/office/drawing/2010/main" w="9525">
+                <a:solidFill>
+                  <a:schemeClr val="tx1"/>
+                </a:solidFill>
+                <a:miter lim="800000"/>
+                <a:headEnd/>
+                <a:tailEnd/>
+              </a14:hiddenLine>
+            </a:ext>
+            <a:ext uri="{AF507438-7753-43E0-B8FC-AC1667EBCBE1}">
+              <a14:hiddenEffects xmlns:a14="http://schemas.microsoft.com/office/drawing/2010/main">
+                <a:effectLst>
+                  <a:outerShdw dist="35921" dir="2700000" algn="ctr" rotWithShape="0">
+                    <a:schemeClr val="bg2"/>
+                  </a:outerShdw>
+                </a:effectLst>
+              </a14:hiddenEffects>
+            </a:ext>
+          </a:extLst>
+        </p:spPr>
+      </p:pic>
+      <mc:AlternateContent xmlns:mc="http://schemas.openxmlformats.org/markup-compatibility/2006" xmlns:a14="http://schemas.microsoft.com/office/drawing/2010/main">
+        <mc:Choice Requires="a14">
+          <p:sp>
+            <p:nvSpPr>
+              <p:cNvPr id="15" name="TextBox 14">
+                <a:extLst>
+                  <a:ext uri="{FF2B5EF4-FFF2-40B4-BE49-F238E27FC236}">
+                    <a16:creationId xmlns:a16="http://schemas.microsoft.com/office/drawing/2014/main" id="{5B5D6393-D12C-443B-B3CC-29A17DD882FE}"/>
+                  </a:ext>
+                </a:extLst>
+              </p:cNvPr>
+              <p:cNvSpPr txBox="1"/>
+              <p:nvPr/>
+            </p:nvSpPr>
+            <p:spPr>
+              <a:xfrm>
+                <a:off x="1347680" y="2308230"/>
+                <a:ext cx="793038" cy="369332"/>
+              </a:xfrm>
+              <a:prstGeom prst="rect">
+                <a:avLst/>
+              </a:prstGeom>
+              <a:solidFill>
+                <a:schemeClr val="bg1"/>
+              </a:solidFill>
+              <a:ln>
+                <a:solidFill>
+                  <a:schemeClr val="tx1"/>
+                </a:solidFill>
+              </a:ln>
+            </p:spPr>
+            <p:txBody>
+              <a:bodyPr wrap="none" rtlCol="0">
+                <a:spAutoFit/>
+              </a:bodyPr>
+              <a:lstStyle/>
+              <a:p>
+                <a:pPr/>
+                <a14:m>
+                  <m:oMathPara xmlns:m="http://schemas.openxmlformats.org/officeDocument/2006/math">
+                    <m:oMathParaPr>
+                      <m:jc m:val="centerGroup"/>
+                    </m:oMathParaPr>
+                    <m:oMath xmlns:m="http://schemas.openxmlformats.org/officeDocument/2006/math">
+                      <m:r>
+                        <a:rPr lang="en-US" altLang="ko-KR" b="0" i="1" smtClean="0">
+                          <a:latin typeface="Cambria Math" panose="02040503050406030204" pitchFamily="18" charset="0"/>
+                        </a:rPr>
+                        <m:t>𝑡</m:t>
+                      </m:r>
+                      <m:r>
+                        <a:rPr lang="en-US" altLang="ko-KR" b="0" i="1" smtClean="0">
+                          <a:latin typeface="Cambria Math" panose="02040503050406030204" pitchFamily="18" charset="0"/>
+                        </a:rPr>
+                        <m:t>=0</m:t>
+                      </m:r>
+                    </m:oMath>
+                  </m:oMathPara>
+                </a14:m>
+                <a:endParaRPr lang="ko-KR" altLang="en-US" dirty="0"/>
+              </a:p>
+            </p:txBody>
+          </p:sp>
+        </mc:Choice>
+        <mc:Fallback xmlns="">
+          <p:sp>
+            <p:nvSpPr>
+              <p:cNvPr id="15" name="TextBox 14">
+                <a:extLst>
+                  <a:ext uri="{FF2B5EF4-FFF2-40B4-BE49-F238E27FC236}">
+                    <a16:creationId xmlns:a16="http://schemas.microsoft.com/office/drawing/2014/main" id="{5B5D6393-D12C-443B-B3CC-29A17DD882FE}"/>
+                  </a:ext>
+                </a:extLst>
+              </p:cNvPr>
+              <p:cNvSpPr txBox="1">
+                <a:spLocks noRot="1" noChangeAspect="1" noMove="1" noResize="1" noEditPoints="1" noAdjustHandles="1" noChangeArrowheads="1" noChangeShapeType="1" noTextEdit="1"/>
+              </p:cNvSpPr>
+              <p:nvPr/>
+            </p:nvSpPr>
+            <p:spPr>
+              <a:xfrm>
+                <a:off x="1347680" y="2308230"/>
+                <a:ext cx="793038" cy="369332"/>
+              </a:xfrm>
+              <a:prstGeom prst="rect">
+                <a:avLst/>
+              </a:prstGeom>
+              <a:blipFill>
+                <a:blip r:embed="rId5"/>
+                <a:stretch>
+                  <a:fillRect/>
+                </a:stretch>
+              </a:blipFill>
+              <a:ln>
+                <a:solidFill>
+                  <a:schemeClr val="tx1"/>
+                </a:solidFill>
+              </a:ln>
+            </p:spPr>
+            <p:txBody>
+              <a:bodyPr/>
+              <a:lstStyle/>
+              <a:p>
+                <a:r>
+                  <a:rPr lang="ko-KR" altLang="en-US">
+                    <a:noFill/>
+                  </a:rPr>
+                  <a:t> </a:t>
+                </a:r>
+              </a:p>
+            </p:txBody>
+          </p:sp>
+        </mc:Fallback>
+      </mc:AlternateContent>
+    </p:spTree>
+    <p:extLst>
+      <p:ext uri="{BB962C8B-B14F-4D97-AF65-F5344CB8AC3E}">
+        <p14:creationId xmlns:p14="http://schemas.microsoft.com/office/powerpoint/2010/main" val="3126148716"/>
       </p:ext>
     </p:extLst>
   </p:cSld>
